--- a/Presentacion electro III.pptx
+++ b/Presentacion electro III.pptx
@@ -5924,7 +5924,12 @@
             <p:ph type="title"/>
           </p:nvPr>
         </p:nvSpPr>
-        <p:spPr/>
+        <p:spPr>
+          <a:xfrm>
+            <a:off x="2895600" y="764373"/>
+            <a:ext cx="8610600" cy="1293028"/>
+          </a:xfrm>
+        </p:spPr>
         <p:txBody>
           <a:bodyPr/>
           <a:lstStyle/>
@@ -5942,31 +5947,6 @@
       </p:sp>
       <p:sp>
         <p:nvSpPr>
-          <p:cNvPr id="3" name="Content Placeholder 2">
-            <a:extLst>
-              <a:ext uri="{FF2B5EF4-FFF2-40B4-BE49-F238E27FC236}">
-                <a16:creationId xmlns:a16="http://schemas.microsoft.com/office/drawing/2014/main" id="{2FA1185D-04B6-0643-BC45-9E77E2B0145F}"/>
-              </a:ext>
-            </a:extLst>
-          </p:cNvPr>
-          <p:cNvSpPr>
-            <a:spLocks noGrp="1"/>
-          </p:cNvSpPr>
-          <p:nvPr>
-            <p:ph idx="1"/>
-          </p:nvPr>
-        </p:nvSpPr>
-        <p:spPr/>
-        <p:txBody>
-          <a:bodyPr/>
-          <a:lstStyle/>
-          <a:p>
-            <a:endParaRPr lang="en-US" dirty="0"/>
-          </a:p>
-        </p:txBody>
-      </p:sp>
-      <p:sp>
-        <p:nvSpPr>
           <p:cNvPr id="7" name="Rounded Rectangle 6">
             <a:extLst>
               <a:ext uri="{FF2B5EF4-FFF2-40B4-BE49-F238E27FC236}">
@@ -5979,7 +5959,7 @@
         </p:nvSpPr>
         <p:spPr>
           <a:xfrm>
-            <a:off x="6566337" y="2601311"/>
+            <a:off x="7574017" y="2569780"/>
             <a:ext cx="1533197" cy="1439916"/>
           </a:xfrm>
           <a:prstGeom prst="roundRect">
@@ -6040,7 +6020,7 @@
         </p:nvSpPr>
         <p:spPr>
           <a:xfrm>
-            <a:off x="5734193" y="4456642"/>
+            <a:off x="6741873" y="4425111"/>
             <a:ext cx="2017987" cy="1439916"/>
           </a:xfrm>
           <a:prstGeom prst="roundRect">
@@ -6087,7 +6067,7 @@
         </p:nvSpPr>
         <p:spPr>
           <a:xfrm>
-            <a:off x="1887920" y="4456642"/>
+            <a:off x="2895600" y="4425111"/>
             <a:ext cx="1359777" cy="1439916"/>
           </a:xfrm>
           <a:prstGeom prst="roundRect">
@@ -6134,7 +6114,7 @@
         </p:nvSpPr>
         <p:spPr>
           <a:xfrm>
-            <a:off x="1887920" y="2530367"/>
+            <a:off x="2895600" y="2498836"/>
             <a:ext cx="1271752" cy="1439916"/>
           </a:xfrm>
           <a:prstGeom prst="roundRect">
@@ -6190,7 +6170,7 @@
         </p:nvCxnSpPr>
         <p:spPr>
           <a:xfrm>
-            <a:off x="3159671" y="3321269"/>
+            <a:off x="4167351" y="3289738"/>
             <a:ext cx="3406666" cy="0"/>
           </a:xfrm>
           <a:prstGeom prst="straightConnector1">
@@ -6231,7 +6211,7 @@
         </p:nvCxnSpPr>
         <p:spPr>
           <a:xfrm>
-            <a:off x="3247697" y="5176600"/>
+            <a:off x="4255377" y="5145069"/>
             <a:ext cx="2520000" cy="0"/>
           </a:xfrm>
           <a:prstGeom prst="straightConnector1">
@@ -6272,7 +6252,7 @@
         </p:nvCxnSpPr>
         <p:spPr>
           <a:xfrm flipV="1">
-            <a:off x="7031421" y="4041227"/>
+            <a:off x="8039101" y="4009696"/>
             <a:ext cx="169479" cy="415416"/>
           </a:xfrm>
           <a:prstGeom prst="straightConnector1">
@@ -7449,6 +7429,133 @@
           </a:fontRef>
         </p:style>
       </p:cxnSp>
+      <p:cxnSp>
+        <p:nvCxnSpPr>
+          <p:cNvPr id="12" name="Straight Connector 11">
+            <a:extLst>
+              <a:ext uri="{FF2B5EF4-FFF2-40B4-BE49-F238E27FC236}">
+                <a16:creationId xmlns:a16="http://schemas.microsoft.com/office/drawing/2014/main" id="{488D23DE-720A-5046-800C-17C54CFFE70C}"/>
+              </a:ext>
+            </a:extLst>
+          </p:cNvPr>
+          <p:cNvCxnSpPr>
+            <a:cxnSpLocks/>
+          </p:cNvCxnSpPr>
+          <p:nvPr/>
+        </p:nvCxnSpPr>
+        <p:spPr>
+          <a:xfrm>
+            <a:off x="10564456" y="3126886"/>
+            <a:ext cx="1286210" cy="0"/>
+          </a:xfrm>
+          <a:prstGeom prst="line">
+            <a:avLst/>
+          </a:prstGeom>
+          <a:ln w="15875">
+            <a:solidFill>
+              <a:schemeClr val="tx1"/>
+            </a:solidFill>
+          </a:ln>
+        </p:spPr>
+        <p:style>
+          <a:lnRef idx="1">
+            <a:schemeClr val="accent1"/>
+          </a:lnRef>
+          <a:fillRef idx="0">
+            <a:schemeClr val="accent1"/>
+          </a:fillRef>
+          <a:effectRef idx="0">
+            <a:schemeClr val="accent1"/>
+          </a:effectRef>
+          <a:fontRef idx="minor">
+            <a:schemeClr val="tx1"/>
+          </a:fontRef>
+        </p:style>
+      </p:cxnSp>
+      <p:cxnSp>
+        <p:nvCxnSpPr>
+          <p:cNvPr id="13" name="Straight Connector 12">
+            <a:extLst>
+              <a:ext uri="{FF2B5EF4-FFF2-40B4-BE49-F238E27FC236}">
+                <a16:creationId xmlns:a16="http://schemas.microsoft.com/office/drawing/2014/main" id="{EFED954A-126C-9643-90FD-8A243C05073E}"/>
+              </a:ext>
+            </a:extLst>
+          </p:cNvPr>
+          <p:cNvCxnSpPr>
+            <a:cxnSpLocks/>
+          </p:cNvCxnSpPr>
+          <p:nvPr/>
+        </p:nvCxnSpPr>
+        <p:spPr>
+          <a:xfrm>
+            <a:off x="10564456" y="2749321"/>
+            <a:ext cx="1286210" cy="0"/>
+          </a:xfrm>
+          <a:prstGeom prst="line">
+            <a:avLst/>
+          </a:prstGeom>
+          <a:ln w="15875">
+            <a:solidFill>
+              <a:schemeClr val="tx1"/>
+            </a:solidFill>
+          </a:ln>
+        </p:spPr>
+        <p:style>
+          <a:lnRef idx="1">
+            <a:schemeClr val="accent1"/>
+          </a:lnRef>
+          <a:fillRef idx="0">
+            <a:schemeClr val="accent1"/>
+          </a:fillRef>
+          <a:effectRef idx="0">
+            <a:schemeClr val="accent1"/>
+          </a:effectRef>
+          <a:fontRef idx="minor">
+            <a:schemeClr val="tx1"/>
+          </a:fontRef>
+        </p:style>
+      </p:cxnSp>
+      <p:cxnSp>
+        <p:nvCxnSpPr>
+          <p:cNvPr id="14" name="Straight Arrow Connector 13">
+            <a:extLst>
+              <a:ext uri="{FF2B5EF4-FFF2-40B4-BE49-F238E27FC236}">
+                <a16:creationId xmlns:a16="http://schemas.microsoft.com/office/drawing/2014/main" id="{518C42F4-9C4A-6742-B95B-47329F77F7AE}"/>
+              </a:ext>
+            </a:extLst>
+          </p:cNvPr>
+          <p:cNvCxnSpPr>
+            <a:cxnSpLocks/>
+          </p:cNvCxnSpPr>
+          <p:nvPr/>
+        </p:nvCxnSpPr>
+        <p:spPr>
+          <a:xfrm>
+            <a:off x="7640158" y="2944960"/>
+            <a:ext cx="2849166" cy="46576"/>
+          </a:xfrm>
+          <a:prstGeom prst="straightConnector1">
+            <a:avLst/>
+          </a:prstGeom>
+          <a:ln w="47625">
+            <a:tailEnd type="triangle"/>
+          </a:ln>
+        </p:spPr>
+        <p:style>
+          <a:lnRef idx="1">
+            <a:schemeClr val="accent1"/>
+          </a:lnRef>
+          <a:fillRef idx="0">
+            <a:schemeClr val="accent1"/>
+          </a:fillRef>
+          <a:effectRef idx="0">
+            <a:schemeClr val="accent1"/>
+          </a:effectRef>
+          <a:fontRef idx="minor">
+            <a:schemeClr val="tx1"/>
+          </a:fontRef>
+        </p:style>
+      </p:cxnSp>
     </p:spTree>
     <p:extLst>
       <p:ext uri="{BB962C8B-B14F-4D97-AF65-F5344CB8AC3E}">
@@ -9312,6 +9419,213 @@
           </a:p>
         </p:txBody>
       </p:sp>
+      <p:sp>
+        <p:nvSpPr>
+          <p:cNvPr id="3" name="TextBox 2">
+            <a:extLst>
+              <a:ext uri="{FF2B5EF4-FFF2-40B4-BE49-F238E27FC236}">
+                <a16:creationId xmlns:a16="http://schemas.microsoft.com/office/drawing/2014/main" id="{34DDC508-AE5B-C142-ABE1-51E5A178C4EC}"/>
+              </a:ext>
+            </a:extLst>
+          </p:cNvPr>
+          <p:cNvSpPr txBox="1"/>
+          <p:nvPr/>
+        </p:nvSpPr>
+        <p:spPr>
+          <a:xfrm>
+            <a:off x="3309928" y="3430005"/>
+            <a:ext cx="439544" cy="1015663"/>
+          </a:xfrm>
+          <a:prstGeom prst="rect">
+            <a:avLst/>
+          </a:prstGeom>
+          <a:noFill/>
+        </p:spPr>
+        <p:txBody>
+          <a:bodyPr wrap="none" rtlCol="0">
+            <a:spAutoFit/>
+          </a:bodyPr>
+          <a:lstStyle/>
+          <a:p>
+            <a:r>
+              <a:rPr lang="en-US" sz="1200" dirty="0"/>
+              <a:t>111</a:t>
+            </a:r>
+            <a:br>
+              <a:rPr lang="en-US" sz="1200" dirty="0"/>
+            </a:br>
+            <a:r>
+              <a:rPr lang="en-US" sz="1200" dirty="0"/>
+              <a:t>101</a:t>
+            </a:r>
+            <a:br>
+              <a:rPr lang="en-US" sz="1200" dirty="0"/>
+            </a:br>
+            <a:r>
+              <a:rPr lang="en-US" sz="1200" dirty="0"/>
+              <a:t>101</a:t>
+            </a:r>
+            <a:br>
+              <a:rPr lang="en-US" sz="1200" dirty="0"/>
+            </a:br>
+            <a:r>
+              <a:rPr lang="en-US" sz="1200" dirty="0"/>
+              <a:t>101</a:t>
+            </a:r>
+            <a:br>
+              <a:rPr lang="en-US" sz="1200" dirty="0"/>
+            </a:br>
+            <a:r>
+              <a:rPr lang="en-US" sz="1200" dirty="0"/>
+              <a:t>111</a:t>
+            </a:r>
+          </a:p>
+        </p:txBody>
+      </p:sp>
+      <p:sp>
+        <p:nvSpPr>
+          <p:cNvPr id="6" name="TextBox 5">
+            <a:extLst>
+              <a:ext uri="{FF2B5EF4-FFF2-40B4-BE49-F238E27FC236}">
+                <a16:creationId xmlns:a16="http://schemas.microsoft.com/office/drawing/2014/main" id="{8381C617-B9B4-6F43-BEBD-7B662F77BB54}"/>
+              </a:ext>
+            </a:extLst>
+          </p:cNvPr>
+          <p:cNvSpPr txBox="1"/>
+          <p:nvPr/>
+        </p:nvSpPr>
+        <p:spPr>
+          <a:xfrm>
+            <a:off x="3794091" y="3421062"/>
+            <a:ext cx="269626" cy="1015663"/>
+          </a:xfrm>
+          <a:prstGeom prst="rect">
+            <a:avLst/>
+          </a:prstGeom>
+          <a:noFill/>
+        </p:spPr>
+        <p:txBody>
+          <a:bodyPr wrap="none" rtlCol="0">
+            <a:spAutoFit/>
+          </a:bodyPr>
+          <a:lstStyle/>
+          <a:p>
+            <a:r>
+              <a:rPr lang="en-US" sz="1200" dirty="0"/>
+              <a:t>0</a:t>
+            </a:r>
+            <a:br>
+              <a:rPr lang="en-US" sz="1200" dirty="0"/>
+            </a:br>
+            <a:r>
+              <a:rPr lang="en-US" sz="1200" dirty="0"/>
+              <a:t>0</a:t>
+            </a:r>
+            <a:br>
+              <a:rPr lang="en-US" sz="1200" dirty="0"/>
+            </a:br>
+            <a:r>
+              <a:rPr lang="en-US" sz="1200" dirty="0"/>
+              <a:t>0</a:t>
+            </a:r>
+          </a:p>
+          <a:p>
+            <a:r>
+              <a:rPr lang="en-US" sz="1200" dirty="0"/>
+              <a:t>0</a:t>
+            </a:r>
+          </a:p>
+          <a:p>
+            <a:r>
+              <a:rPr lang="en-US" sz="1200" dirty="0"/>
+              <a:t>0</a:t>
+            </a:r>
+          </a:p>
+        </p:txBody>
+      </p:sp>
+      <p:sp>
+        <p:nvSpPr>
+          <p:cNvPr id="25" name="Right Brace 24">
+            <a:extLst>
+              <a:ext uri="{FF2B5EF4-FFF2-40B4-BE49-F238E27FC236}">
+                <a16:creationId xmlns:a16="http://schemas.microsoft.com/office/drawing/2014/main" id="{754F9B97-8D28-734A-82A7-389E6BE2E021}"/>
+              </a:ext>
+            </a:extLst>
+          </p:cNvPr>
+          <p:cNvSpPr/>
+          <p:nvPr/>
+        </p:nvSpPr>
+        <p:spPr>
+          <a:xfrm rot="16200000">
+            <a:off x="3504911" y="2852387"/>
+            <a:ext cx="268828" cy="795738"/>
+          </a:xfrm>
+          <a:prstGeom prst="rightBrace">
+            <a:avLst>
+              <a:gd name="adj1" fmla="val 8333"/>
+              <a:gd name="adj2" fmla="val 50379"/>
+            </a:avLst>
+          </a:prstGeom>
+          <a:ln w="25400"/>
+        </p:spPr>
+        <p:style>
+          <a:lnRef idx="1">
+            <a:schemeClr val="accent1"/>
+          </a:lnRef>
+          <a:fillRef idx="0">
+            <a:schemeClr val="accent1"/>
+          </a:fillRef>
+          <a:effectRef idx="0">
+            <a:schemeClr val="accent1"/>
+          </a:effectRef>
+          <a:fontRef idx="minor">
+            <a:schemeClr val="tx1"/>
+          </a:fontRef>
+        </p:style>
+        <p:txBody>
+          <a:bodyPr rtlCol="0" anchor="ctr"/>
+          <a:lstStyle/>
+          <a:p>
+            <a:pPr algn="ctr"/>
+            <a:endParaRPr lang="en-US"/>
+          </a:p>
+        </p:txBody>
+      </p:sp>
+      <p:sp>
+        <p:nvSpPr>
+          <p:cNvPr id="26" name="TextBox 25">
+            <a:extLst>
+              <a:ext uri="{FF2B5EF4-FFF2-40B4-BE49-F238E27FC236}">
+                <a16:creationId xmlns:a16="http://schemas.microsoft.com/office/drawing/2014/main" id="{AC42D35B-4824-1340-AAFC-FABB8C5A4366}"/>
+              </a:ext>
+            </a:extLst>
+          </p:cNvPr>
+          <p:cNvSpPr txBox="1"/>
+          <p:nvPr/>
+        </p:nvSpPr>
+        <p:spPr>
+          <a:xfrm>
+            <a:off x="3423144" y="2785069"/>
+            <a:ext cx="441146" cy="369332"/>
+          </a:xfrm>
+          <a:prstGeom prst="rect">
+            <a:avLst/>
+          </a:prstGeom>
+          <a:noFill/>
+        </p:spPr>
+        <p:txBody>
+          <a:bodyPr wrap="none" rtlCol="0">
+            <a:spAutoFit/>
+          </a:bodyPr>
+          <a:lstStyle/>
+          <a:p>
+            <a:r>
+              <a:rPr lang="en-US" dirty="0"/>
+              <a:t>56</a:t>
+            </a:r>
+          </a:p>
+        </p:txBody>
+      </p:sp>
     </p:spTree>
     <p:extLst>
       <p:ext uri="{BB962C8B-B14F-4D97-AF65-F5344CB8AC3E}">
@@ -9652,9 +9966,9 @@
           <p:nvPr/>
         </p:nvCxnSpPr>
         <p:spPr>
-          <a:xfrm rot="5400000">
-            <a:off x="4748543" y="5487183"/>
-            <a:ext cx="918021" cy="290497"/>
+          <a:xfrm rot="16200000" flipH="1">
+            <a:off x="4526308" y="5555443"/>
+            <a:ext cx="918021" cy="153975"/>
           </a:xfrm>
           <a:prstGeom prst="bentConnector3">
             <a:avLst>
@@ -9776,13 +10090,13 @@
           <p:nvPr/>
         </p:nvCxnSpPr>
         <p:spPr>
-          <a:xfrm rot="16200000" flipH="1">
-            <a:off x="3578266" y="3398886"/>
-            <a:ext cx="3258573" cy="290496"/>
+          <a:xfrm rot="5400000">
+            <a:off x="3356031" y="3467147"/>
+            <a:ext cx="3258574" cy="153974"/>
           </a:xfrm>
           <a:prstGeom prst="bentConnector3">
             <a:avLst>
-              <a:gd name="adj1" fmla="val 92531"/>
+              <a:gd name="adj1" fmla="val 95156"/>
             </a:avLst>
           </a:prstGeom>
           <a:ln>

--- a/Presentacion electro III.pptx
+++ b/Presentacion electro III.pptx
@@ -10,9 +10,9 @@
     <p:sldId id="258" r:id="rId4"/>
     <p:sldId id="259" r:id="rId5"/>
     <p:sldId id="260" r:id="rId6"/>
-    <p:sldId id="264" r:id="rId7"/>
-    <p:sldId id="263" r:id="rId8"/>
-    <p:sldId id="261" r:id="rId9"/>
+    <p:sldId id="263" r:id="rId7"/>
+    <p:sldId id="261" r:id="rId8"/>
+    <p:sldId id="264" r:id="rId9"/>
     <p:sldId id="262" r:id="rId10"/>
   </p:sldIdLst>
   <p:sldSz cx="12192000" cy="6858000"/>
@@ -5814,65 +5814,76 @@
             <p:ph type="subTitle" idx="1"/>
           </p:nvPr>
         </p:nvSpPr>
-        <p:spPr/>
+        <p:spPr>
+          <a:xfrm>
+            <a:off x="1371600" y="3632200"/>
+            <a:ext cx="9448800" cy="918779"/>
+          </a:xfrm>
+        </p:spPr>
         <p:txBody>
           <a:bodyPr>
-            <a:normAutofit fontScale="92500" lnSpcReduction="10000"/>
+            <a:normAutofit fontScale="85000" lnSpcReduction="20000"/>
           </a:bodyPr>
           <a:lstStyle/>
           <a:p>
             <a:r>
               <a:rPr lang="en-US" dirty="0"/>
-              <a:t>Electronica III</a:t>
-            </a:r>
-          </a:p>
-          <a:p>
-            <a:r>
-              <a:rPr lang="en-US" dirty="0" err="1"/>
+              <a:t>Electronica III </a:t>
+            </a:r>
+          </a:p>
+          <a:p>
+            <a:r>
+              <a:rPr lang="en-US" dirty="0"/>
+              <a:t>Grupo 1</a:t>
+            </a:r>
+          </a:p>
+          <a:p>
+            <a:r>
+              <a:rPr lang="en-US" i="1" dirty="0" err="1"/>
               <a:t>Implementación</a:t>
             </a:r>
             <a:r>
-              <a:rPr lang="en-US" dirty="0"/>
+              <a:rPr lang="en-US" i="1" dirty="0"/>
               <a:t> de </a:t>
             </a:r>
             <a:r>
-              <a:rPr lang="en-US" dirty="0" err="1"/>
-              <a:t>cronometro</a:t>
-            </a:r>
-            <a:r>
-              <a:rPr lang="en-US" dirty="0"/>
+              <a:rPr lang="en-US" i="1" dirty="0" err="1"/>
+              <a:t>cronómetro</a:t>
+            </a:r>
+            <a:r>
+              <a:rPr lang="en-US" i="1" dirty="0"/>
               <a:t> con </a:t>
             </a:r>
             <a:r>
-              <a:rPr lang="en-US" dirty="0" err="1"/>
-              <a:t>visualizacion</a:t>
-            </a:r>
-            <a:r>
-              <a:rPr lang="en-US" dirty="0"/>
+              <a:rPr lang="en-US" i="1" dirty="0" err="1"/>
+              <a:t>visualización</a:t>
+            </a:r>
+            <a:r>
+              <a:rPr lang="en-US" i="1" dirty="0"/>
               <a:t> </a:t>
             </a:r>
             <a:r>
-              <a:rPr lang="en-US" dirty="0" err="1"/>
+              <a:rPr lang="en-US" i="1" dirty="0" err="1"/>
               <a:t>en</a:t>
             </a:r>
             <a:r>
-              <a:rPr lang="en-US" dirty="0"/>
+              <a:rPr lang="en-US" i="1" dirty="0"/>
               <a:t> </a:t>
             </a:r>
             <a:r>
-              <a:rPr lang="en-US" dirty="0" err="1"/>
+              <a:rPr lang="en-US" i="1" dirty="0" err="1"/>
               <a:t>pantalla</a:t>
             </a:r>
             <a:r>
-              <a:rPr lang="en-US" dirty="0"/>
+              <a:rPr lang="en-US" i="1" dirty="0"/>
               <a:t> </a:t>
             </a:r>
             <a:r>
-              <a:rPr lang="en-US" dirty="0" err="1"/>
+              <a:rPr lang="en-US" i="1" dirty="0" err="1"/>
               <a:t>mediante</a:t>
             </a:r>
             <a:r>
-              <a:rPr lang="en-US" dirty="0"/>
+              <a:rPr lang="en-US" i="1" dirty="0"/>
               <a:t> VGA</a:t>
             </a:r>
           </a:p>
@@ -7556,6 +7567,181 @@
           </a:fontRef>
         </p:style>
       </p:cxnSp>
+      <p:sp>
+        <p:nvSpPr>
+          <p:cNvPr id="8" name="TextBox 7">
+            <a:extLst>
+              <a:ext uri="{FF2B5EF4-FFF2-40B4-BE49-F238E27FC236}">
+                <a16:creationId xmlns:a16="http://schemas.microsoft.com/office/drawing/2014/main" id="{0EE4F15D-5912-6049-A3DC-DC70DD5C580A}"/>
+              </a:ext>
+            </a:extLst>
+          </p:cNvPr>
+          <p:cNvSpPr txBox="1"/>
+          <p:nvPr/>
+        </p:nvSpPr>
+        <p:spPr>
+          <a:xfrm>
+            <a:off x="6441185" y="2806870"/>
+            <a:ext cx="971741" cy="369332"/>
+          </a:xfrm>
+          <a:prstGeom prst="rect">
+            <a:avLst/>
+          </a:prstGeom>
+          <a:noFill/>
+        </p:spPr>
+        <p:txBody>
+          <a:bodyPr wrap="none" rtlCol="0">
+            <a:spAutoFit/>
+          </a:bodyPr>
+          <a:lstStyle/>
+          <a:p>
+            <a:r>
+              <a:rPr lang="en-US" dirty="0"/>
+              <a:t>C VGA</a:t>
+            </a:r>
+          </a:p>
+        </p:txBody>
+      </p:sp>
+      <p:sp>
+        <p:nvSpPr>
+          <p:cNvPr id="9" name="TextBox 8">
+            <a:extLst>
+              <a:ext uri="{FF2B5EF4-FFF2-40B4-BE49-F238E27FC236}">
+                <a16:creationId xmlns:a16="http://schemas.microsoft.com/office/drawing/2014/main" id="{99869C7F-1AB7-694D-8784-E0A627F15FDE}"/>
+              </a:ext>
+            </a:extLst>
+          </p:cNvPr>
+          <p:cNvSpPr txBox="1"/>
+          <p:nvPr/>
+        </p:nvSpPr>
+        <p:spPr>
+          <a:xfrm>
+            <a:off x="9268994" y="4206622"/>
+            <a:ext cx="910827" cy="369332"/>
+          </a:xfrm>
+          <a:prstGeom prst="rect">
+            <a:avLst/>
+          </a:prstGeom>
+          <a:noFill/>
+        </p:spPr>
+        <p:txBody>
+          <a:bodyPr wrap="none" rtlCol="0">
+            <a:spAutoFit/>
+          </a:bodyPr>
+          <a:lstStyle/>
+          <a:p>
+            <a:r>
+              <a:rPr lang="en-US" dirty="0"/>
+              <a:t>C RGB</a:t>
+            </a:r>
+          </a:p>
+        </p:txBody>
+      </p:sp>
+      <p:sp>
+        <p:nvSpPr>
+          <p:cNvPr id="15" name="TextBox 14">
+            <a:extLst>
+              <a:ext uri="{FF2B5EF4-FFF2-40B4-BE49-F238E27FC236}">
+                <a16:creationId xmlns:a16="http://schemas.microsoft.com/office/drawing/2014/main" id="{972065FB-17A3-CF4F-AD66-356EC432C656}"/>
+              </a:ext>
+            </a:extLst>
+          </p:cNvPr>
+          <p:cNvSpPr txBox="1"/>
+          <p:nvPr/>
+        </p:nvSpPr>
+        <p:spPr>
+          <a:xfrm>
+            <a:off x="10729041" y="2431374"/>
+            <a:ext cx="1016625" cy="369332"/>
+          </a:xfrm>
+          <a:prstGeom prst="rect">
+            <a:avLst/>
+          </a:prstGeom>
+          <a:noFill/>
+        </p:spPr>
+        <p:txBody>
+          <a:bodyPr wrap="none" rtlCol="0">
+            <a:spAutoFit/>
+          </a:bodyPr>
+          <a:lstStyle/>
+          <a:p>
+            <a:r>
+              <a:rPr lang="en-US" dirty="0"/>
+              <a:t>H SYNC</a:t>
+            </a:r>
+          </a:p>
+        </p:txBody>
+      </p:sp>
+      <p:sp>
+        <p:nvSpPr>
+          <p:cNvPr id="16" name="TextBox 15">
+            <a:extLst>
+              <a:ext uri="{FF2B5EF4-FFF2-40B4-BE49-F238E27FC236}">
+                <a16:creationId xmlns:a16="http://schemas.microsoft.com/office/drawing/2014/main" id="{1198D228-C949-F94F-950E-AA7B0DFE2B79}"/>
+              </a:ext>
+            </a:extLst>
+          </p:cNvPr>
+          <p:cNvSpPr txBox="1"/>
+          <p:nvPr/>
+        </p:nvSpPr>
+        <p:spPr>
+          <a:xfrm>
+            <a:off x="10719230" y="2819692"/>
+            <a:ext cx="1021433" cy="369332"/>
+          </a:xfrm>
+          <a:prstGeom prst="rect">
+            <a:avLst/>
+          </a:prstGeom>
+          <a:noFill/>
+        </p:spPr>
+        <p:txBody>
+          <a:bodyPr wrap="none" rtlCol="0">
+            <a:spAutoFit/>
+          </a:bodyPr>
+          <a:lstStyle/>
+          <a:p>
+            <a:r>
+              <a:rPr lang="en-US" dirty="0"/>
+              <a:t>V SYNC</a:t>
+            </a:r>
+          </a:p>
+        </p:txBody>
+      </p:sp>
+      <p:sp>
+        <p:nvSpPr>
+          <p:cNvPr id="17" name="TextBox 16">
+            <a:extLst>
+              <a:ext uri="{FF2B5EF4-FFF2-40B4-BE49-F238E27FC236}">
+                <a16:creationId xmlns:a16="http://schemas.microsoft.com/office/drawing/2014/main" id="{B11CD142-B667-FD48-B236-177520E98FA0}"/>
+              </a:ext>
+            </a:extLst>
+          </p:cNvPr>
+          <p:cNvSpPr txBox="1"/>
+          <p:nvPr/>
+        </p:nvSpPr>
+        <p:spPr>
+          <a:xfrm>
+            <a:off x="10907775" y="4021956"/>
+            <a:ext cx="659155" cy="369332"/>
+          </a:xfrm>
+          <a:prstGeom prst="rect">
+            <a:avLst/>
+          </a:prstGeom>
+          <a:noFill/>
+        </p:spPr>
+        <p:txBody>
+          <a:bodyPr wrap="none" rtlCol="0">
+            <a:spAutoFit/>
+          </a:bodyPr>
+          <a:lstStyle/>
+          <a:p>
+            <a:r>
+              <a:rPr lang="en-US" dirty="0"/>
+              <a:t>RGB</a:t>
+            </a:r>
+          </a:p>
+        </p:txBody>
+      </p:sp>
     </p:spTree>
     <p:extLst>
       <p:ext uri="{BB962C8B-B14F-4D97-AF65-F5344CB8AC3E}">
@@ -7737,7 +7923,7 @@
             </a:r>
             <a:r>
               <a:rPr lang="en-US" dirty="0" err="1"/>
-              <a:t>contador</a:t>
+              <a:t>cronómetro</a:t>
             </a:r>
             <a:endParaRPr lang="en-US" dirty="0"/>
           </a:p>
@@ -8383,7 +8569,7 @@
           <p:cNvPr id="2" name="Title 1">
             <a:extLst>
               <a:ext uri="{FF2B5EF4-FFF2-40B4-BE49-F238E27FC236}">
-                <a16:creationId xmlns:a16="http://schemas.microsoft.com/office/drawing/2014/main" id="{13916C14-80D7-8F4A-8612-199961CA6EDE}"/>
+                <a16:creationId xmlns:a16="http://schemas.microsoft.com/office/drawing/2014/main" id="{ED421C18-C8D2-5945-B0CD-BACF135A333F}"/>
               </a:ext>
             </a:extLst>
           </p:cNvPr>
@@ -8401,12 +8587,105 @@
           <a:p>
             <a:r>
               <a:rPr lang="en-US" dirty="0"/>
-              <a:t>Zona de </a:t>
-            </a:r>
-            <a:r>
-              <a:rPr lang="en-US" dirty="0" err="1"/>
-              <a:t>escritura</a:t>
-            </a:r>
+              <a:t>SEÑALES DE SINCRONISMO</a:t>
+            </a:r>
+          </a:p>
+        </p:txBody>
+      </p:sp>
+      <p:sp>
+        <p:nvSpPr>
+          <p:cNvPr id="3" name="Content Placeholder 2">
+            <a:extLst>
+              <a:ext uri="{FF2B5EF4-FFF2-40B4-BE49-F238E27FC236}">
+                <a16:creationId xmlns:a16="http://schemas.microsoft.com/office/drawing/2014/main" id="{BC67A11A-2E50-E745-A500-F46BD3714F1D}"/>
+              </a:ext>
+            </a:extLst>
+          </p:cNvPr>
+          <p:cNvSpPr>
+            <a:spLocks noGrp="1"/>
+          </p:cNvSpPr>
+          <p:nvPr>
+            <p:ph idx="1"/>
+          </p:nvPr>
+        </p:nvSpPr>
+        <p:spPr>
+          <a:xfrm>
+            <a:off x="685800" y="2194560"/>
+            <a:ext cx="4457700" cy="4024125"/>
+          </a:xfrm>
+        </p:spPr>
+        <p:txBody>
+          <a:bodyPr>
+            <a:normAutofit lnSpcReduction="10000"/>
+          </a:bodyPr>
+          <a:lstStyle/>
+          <a:p>
+            <a:r>
+              <a:rPr lang="en-US" dirty="0"/>
+              <a:t>RESOLUCIÓN UTILIZADA: 640x480</a:t>
+            </a:r>
+          </a:p>
+          <a:p>
+            <a:r>
+              <a:rPr lang="en-US" dirty="0"/>
+              <a:t>H SYNC:</a:t>
+            </a:r>
+            <a:br>
+              <a:rPr lang="en-US" dirty="0"/>
+            </a:br>
+            <a:r>
+              <a:rPr lang="en-US" dirty="0"/>
+              <a:t>BACK PORCH: 48 PIXELES</a:t>
+            </a:r>
+            <a:br>
+              <a:rPr lang="en-US" dirty="0"/>
+            </a:br>
+            <a:r>
+              <a:rPr lang="en-US" dirty="0"/>
+              <a:t>SYNC: 96 PIXELES</a:t>
+            </a:r>
+            <a:br>
+              <a:rPr lang="en-US" dirty="0"/>
+            </a:br>
+            <a:r>
+              <a:rPr lang="en-US" dirty="0"/>
+              <a:t>FRONT PORCH: 16 PIXELES</a:t>
+            </a:r>
+          </a:p>
+          <a:p>
+            <a:r>
+              <a:rPr lang="en-US" dirty="0"/>
+              <a:t>V SYNC</a:t>
+            </a:r>
+            <a:br>
+              <a:rPr lang="en-US" dirty="0"/>
+            </a:br>
+            <a:r>
+              <a:rPr lang="en-US" dirty="0"/>
+              <a:t>BACK PORCH: 33 H SYNC</a:t>
+            </a:r>
+            <a:br>
+              <a:rPr lang="en-US" dirty="0"/>
+            </a:br>
+            <a:r>
+              <a:rPr lang="en-US" dirty="0"/>
+              <a:t>SYNC: 2 H SYNC</a:t>
+            </a:r>
+            <a:br>
+              <a:rPr lang="en-US" dirty="0"/>
+            </a:br>
+            <a:r>
+              <a:rPr lang="en-US" dirty="0"/>
+              <a:t>FRONT PORCH: 10 H SYNC</a:t>
+            </a:r>
+          </a:p>
+          <a:p>
+            <a:pPr marL="0" indent="0">
+              <a:buNone/>
+            </a:pPr>
+            <a:br>
+              <a:rPr lang="en-US" dirty="0"/>
+            </a:br>
             <a:endParaRPr lang="en-US" dirty="0"/>
           </a:p>
         </p:txBody>
@@ -8416,7 +8695,7 @@
           <p:cNvPr id="4" name="Rectangle 3">
             <a:extLst>
               <a:ext uri="{FF2B5EF4-FFF2-40B4-BE49-F238E27FC236}">
-                <a16:creationId xmlns:a16="http://schemas.microsoft.com/office/drawing/2014/main" id="{D2DDA2FB-86C4-3840-A4B7-9EB040E4443D}"/>
+                <a16:creationId xmlns:a16="http://schemas.microsoft.com/office/drawing/2014/main" id="{C2D6E605-07C8-294E-9CE7-0D65FAA85EFF}"/>
               </a:ext>
             </a:extLst>
           </p:cNvPr>
@@ -8425,8 +8704,8 @@
         </p:nvSpPr>
         <p:spPr>
           <a:xfrm>
-            <a:off x="2102069" y="2057401"/>
-            <a:ext cx="7746124" cy="3771899"/>
+            <a:off x="5500688" y="2055216"/>
+            <a:ext cx="6472237" cy="4036226"/>
           </a:xfrm>
           <a:prstGeom prst="rect">
             <a:avLst/>
@@ -8483,7 +8762,7 @@
           <p:cNvPr id="5" name="Rectangle 4">
             <a:extLst>
               <a:ext uri="{FF2B5EF4-FFF2-40B4-BE49-F238E27FC236}">
-                <a16:creationId xmlns:a16="http://schemas.microsoft.com/office/drawing/2014/main" id="{A537743B-1554-7F47-8777-33020537CA6B}"/>
+                <a16:creationId xmlns:a16="http://schemas.microsoft.com/office/drawing/2014/main" id="{34FA61B9-A0A2-E24A-8395-E82782785E9D}"/>
               </a:ext>
             </a:extLst>
           </p:cNvPr>
@@ -8492,14 +8771,14 @@
         </p:nvSpPr>
         <p:spPr>
           <a:xfrm>
-            <a:off x="3103343" y="3213276"/>
-            <a:ext cx="5743575" cy="1460148"/>
+            <a:off x="5500688" y="2055218"/>
+            <a:ext cx="4600575" cy="2545358"/>
           </a:xfrm>
           <a:prstGeom prst="rect">
             <a:avLst/>
           </a:prstGeom>
           <a:noFill/>
-          <a:ln w="25400">
+          <a:ln w="95250">
             <a:solidFill>
               <a:schemeClr val="tx1"/>
             </a:solidFill>
@@ -8529,7 +8808,7 @@
           <a:lstStyle/>
           <a:p>
             <a:pPr algn="ctr"/>
-            <a:endParaRPr lang="en-US" dirty="0">
+            <a:endParaRPr lang="en-US">
               <a:ln w="0"/>
               <a:solidFill>
                 <a:schemeClr val="tx1"/>
@@ -8547,28 +8826,68 @@
       </p:sp>
       <p:sp>
         <p:nvSpPr>
-          <p:cNvPr id="7" name="Right Brace 6">
-            <a:extLst>
-              <a:ext uri="{FF2B5EF4-FFF2-40B4-BE49-F238E27FC236}">
-                <a16:creationId xmlns:a16="http://schemas.microsoft.com/office/drawing/2014/main" id="{386DE292-BA98-EB43-A9F2-C8101A50D3D3}"/>
-              </a:ext>
-            </a:extLst>
-          </p:cNvPr>
-          <p:cNvSpPr/>
-          <p:nvPr/>
-        </p:nvSpPr>
-        <p:spPr>
-          <a:xfrm>
-            <a:off x="10056336" y="2057401"/>
-            <a:ext cx="804955" cy="3771899"/>
-          </a:xfrm>
-          <a:prstGeom prst="rightBrace">
+          <p:cNvPr id="6" name="TextBox 5">
+            <a:extLst>
+              <a:ext uri="{FF2B5EF4-FFF2-40B4-BE49-F238E27FC236}">
+                <a16:creationId xmlns:a16="http://schemas.microsoft.com/office/drawing/2014/main" id="{1214D859-9DB8-344A-BDB8-0F5D2DACD98E}"/>
+              </a:ext>
+            </a:extLst>
+          </p:cNvPr>
+          <p:cNvSpPr txBox="1"/>
+          <p:nvPr/>
+        </p:nvSpPr>
+        <p:spPr>
+          <a:xfrm>
+            <a:off x="6582283" y="3163578"/>
+            <a:ext cx="2130711" cy="369332"/>
+          </a:xfrm>
+          <a:prstGeom prst="rect">
+            <a:avLst/>
+          </a:prstGeom>
+          <a:noFill/>
+        </p:spPr>
+        <p:txBody>
+          <a:bodyPr wrap="none" rtlCol="0">
+            <a:spAutoFit/>
+          </a:bodyPr>
+          <a:lstStyle/>
+          <a:p>
+            <a:r>
+              <a:rPr lang="en-US" dirty="0"/>
+              <a:t>PANTALLA VISIBLE</a:t>
+            </a:r>
+          </a:p>
+        </p:txBody>
+      </p:sp>
+      <p:cxnSp>
+        <p:nvCxnSpPr>
+          <p:cNvPr id="13" name="Elbow Connector 12">
+            <a:extLst>
+              <a:ext uri="{FF2B5EF4-FFF2-40B4-BE49-F238E27FC236}">
+                <a16:creationId xmlns:a16="http://schemas.microsoft.com/office/drawing/2014/main" id="{F883F479-2B1F-C04D-9948-CCB793CC7116}"/>
+              </a:ext>
+            </a:extLst>
+          </p:cNvPr>
+          <p:cNvCxnSpPr>
+            <a:cxnSpLocks/>
+          </p:cNvCxnSpPr>
+          <p:nvPr/>
+        </p:nvCxnSpPr>
+        <p:spPr>
+          <a:xfrm rot="16200000" flipH="1">
+            <a:off x="4526308" y="5555443"/>
+            <a:ext cx="918021" cy="153975"/>
+          </a:xfrm>
+          <a:prstGeom prst="bentConnector3">
             <a:avLst>
-              <a:gd name="adj1" fmla="val 8333"/>
-              <a:gd name="adj2" fmla="val 50379"/>
+              <a:gd name="adj1" fmla="val 50000"/>
             </a:avLst>
           </a:prstGeom>
-          <a:ln w="25400"/>
+          <a:ln>
+            <a:solidFill>
+              <a:srgbClr val="00B050"/>
+            </a:solidFill>
+          </a:ln>
         </p:spPr>
         <p:style>
           <a:lnRef idx="1">
@@ -8584,74 +8903,31 @@
             <a:schemeClr val="tx1"/>
           </a:fontRef>
         </p:style>
-        <p:txBody>
-          <a:bodyPr rtlCol="0" anchor="ctr"/>
-          <a:lstStyle/>
-          <a:p>
-            <a:pPr algn="ctr"/>
-            <a:endParaRPr lang="en-US"/>
-          </a:p>
-        </p:txBody>
-      </p:sp>
-      <p:sp>
-        <p:nvSpPr>
-          <p:cNvPr id="8" name="TextBox 7">
-            <a:extLst>
-              <a:ext uri="{FF2B5EF4-FFF2-40B4-BE49-F238E27FC236}">
-                <a16:creationId xmlns:a16="http://schemas.microsoft.com/office/drawing/2014/main" id="{0EAA8BFA-C43B-0143-822B-DF559AC27492}"/>
-              </a:ext>
-            </a:extLst>
-          </p:cNvPr>
-          <p:cNvSpPr txBox="1"/>
-          <p:nvPr/>
-        </p:nvSpPr>
-        <p:spPr>
-          <a:xfrm>
-            <a:off x="10936813" y="3758684"/>
-            <a:ext cx="569387" cy="369332"/>
-          </a:xfrm>
-          <a:prstGeom prst="rect">
-            <a:avLst/>
-          </a:prstGeom>
-          <a:noFill/>
-        </p:spPr>
-        <p:txBody>
-          <a:bodyPr wrap="none" rtlCol="0">
-            <a:spAutoFit/>
-          </a:bodyPr>
-          <a:lstStyle/>
-          <a:p>
-            <a:r>
-              <a:rPr lang="en-US" dirty="0"/>
-              <a:t>480</a:t>
-            </a:r>
-          </a:p>
-        </p:txBody>
-      </p:sp>
-      <p:sp>
-        <p:nvSpPr>
-          <p:cNvPr id="9" name="Right Brace 8">
-            <a:extLst>
-              <a:ext uri="{FF2B5EF4-FFF2-40B4-BE49-F238E27FC236}">
-                <a16:creationId xmlns:a16="http://schemas.microsoft.com/office/drawing/2014/main" id="{4CEAFF37-6356-A342-8336-7FBA0B136A6E}"/>
-              </a:ext>
-            </a:extLst>
-          </p:cNvPr>
-          <p:cNvSpPr/>
-          <p:nvPr/>
-        </p:nvSpPr>
-        <p:spPr>
-          <a:xfrm rot="5400000">
-            <a:off x="5827822" y="2239561"/>
-            <a:ext cx="294615" cy="7746124"/>
-          </a:xfrm>
-          <a:prstGeom prst="rightBrace">
+      </p:cxnSp>
+      <p:cxnSp>
+        <p:nvCxnSpPr>
+          <p:cNvPr id="25" name="Elbow Connector 24">
+            <a:extLst>
+              <a:ext uri="{FF2B5EF4-FFF2-40B4-BE49-F238E27FC236}">
+                <a16:creationId xmlns:a16="http://schemas.microsoft.com/office/drawing/2014/main" id="{2E5AF8C9-8AF9-A141-94F8-61CD3D821BFD}"/>
+              </a:ext>
+            </a:extLst>
+          </p:cNvPr>
+          <p:cNvCxnSpPr>
+            <a:cxnSpLocks/>
+          </p:cNvCxnSpPr>
+          <p:nvPr/>
+        </p:nvCxnSpPr>
+        <p:spPr>
+          <a:xfrm>
+            <a:off x="11506200" y="2300287"/>
+            <a:ext cx="461961" cy="242887"/>
+          </a:xfrm>
+          <a:prstGeom prst="bentConnector3">
             <a:avLst>
-              <a:gd name="adj1" fmla="val 8333"/>
-              <a:gd name="adj2" fmla="val 50379"/>
+              <a:gd name="adj1" fmla="val 50000"/>
             </a:avLst>
           </a:prstGeom>
-          <a:ln w="25400"/>
         </p:spPr>
         <p:style>
           <a:lnRef idx="1">
@@ -8667,21 +8943,13 @@
             <a:schemeClr val="tx1"/>
           </a:fontRef>
         </p:style>
-        <p:txBody>
-          <a:bodyPr rtlCol="0" anchor="ctr"/>
-          <a:lstStyle/>
-          <a:p>
-            <a:pPr algn="ctr"/>
-            <a:endParaRPr lang="en-US"/>
-          </a:p>
-        </p:txBody>
-      </p:sp>
-      <p:sp>
-        <p:nvSpPr>
-          <p:cNvPr id="10" name="TextBox 9">
-            <a:extLst>
-              <a:ext uri="{FF2B5EF4-FFF2-40B4-BE49-F238E27FC236}">
-                <a16:creationId xmlns:a16="http://schemas.microsoft.com/office/drawing/2014/main" id="{8AF97852-1663-1D4B-AAEA-46CAF3BAE50C}"/>
+      </p:cxnSp>
+      <p:sp>
+        <p:nvSpPr>
+          <p:cNvPr id="28" name="TextBox 27">
+            <a:extLst>
+              <a:ext uri="{FF2B5EF4-FFF2-40B4-BE49-F238E27FC236}">
+                <a16:creationId xmlns:a16="http://schemas.microsoft.com/office/drawing/2014/main" id="{2E85B5D2-E7AC-B64F-A2B5-CEE356048D2B}"/>
               </a:ext>
             </a:extLst>
           </p:cNvPr>
@@ -8690,8 +8958,8 @@
         </p:nvSpPr>
         <p:spPr>
           <a:xfrm>
-            <a:off x="5690435" y="6259931"/>
-            <a:ext cx="569387" cy="369332"/>
+            <a:off x="5743575" y="2173842"/>
+            <a:ext cx="1016625" cy="369332"/>
           </a:xfrm>
           <a:prstGeom prst="rect">
             <a:avLst/>
@@ -8705,36 +8973,45 @@
           <a:lstStyle/>
           <a:p>
             <a:r>
-              <a:rPr lang="en-US" dirty="0"/>
-              <a:t>680</a:t>
-            </a:r>
-          </a:p>
-        </p:txBody>
-      </p:sp>
-      <p:sp>
-        <p:nvSpPr>
-          <p:cNvPr id="11" name="Right Brace 10">
-            <a:extLst>
-              <a:ext uri="{FF2B5EF4-FFF2-40B4-BE49-F238E27FC236}">
-                <a16:creationId xmlns:a16="http://schemas.microsoft.com/office/drawing/2014/main" id="{DD99C65A-5A74-5440-8BA8-F839884A8EFB}"/>
-              </a:ext>
-            </a:extLst>
-          </p:cNvPr>
-          <p:cNvSpPr/>
-          <p:nvPr/>
-        </p:nvSpPr>
-        <p:spPr>
-          <a:xfrm>
-            <a:off x="8919812" y="3213276"/>
-            <a:ext cx="427743" cy="1460148"/>
-          </a:xfrm>
-          <a:prstGeom prst="rightBrace">
+              <a:rPr lang="en-US" dirty="0">
+                <a:solidFill>
+                  <a:srgbClr val="FF0000"/>
+                </a:solidFill>
+              </a:rPr>
+              <a:t>H SYNC</a:t>
+            </a:r>
+          </a:p>
+        </p:txBody>
+      </p:sp>
+      <p:cxnSp>
+        <p:nvCxnSpPr>
+          <p:cNvPr id="29" name="Elbow Connector 28">
+            <a:extLst>
+              <a:ext uri="{FF2B5EF4-FFF2-40B4-BE49-F238E27FC236}">
+                <a16:creationId xmlns:a16="http://schemas.microsoft.com/office/drawing/2014/main" id="{9EAAC452-B2EE-214B-BA69-09C20E7225D8}"/>
+              </a:ext>
+            </a:extLst>
+          </p:cNvPr>
+          <p:cNvCxnSpPr>
+            <a:cxnSpLocks/>
+          </p:cNvCxnSpPr>
+          <p:nvPr/>
+        </p:nvCxnSpPr>
+        <p:spPr>
+          <a:xfrm rot="5400000">
+            <a:off x="3356031" y="3467147"/>
+            <a:ext cx="3258574" cy="153974"/>
+          </a:xfrm>
+          <a:prstGeom prst="bentConnector3">
             <a:avLst>
-              <a:gd name="adj1" fmla="val 8333"/>
-              <a:gd name="adj2" fmla="val 50379"/>
+              <a:gd name="adj1" fmla="val 95156"/>
             </a:avLst>
           </a:prstGeom>
-          <a:ln w="25400"/>
+          <a:ln>
+            <a:solidFill>
+              <a:srgbClr val="00B050"/>
+            </a:solidFill>
+          </a:ln>
         </p:spPr>
         <p:style>
           <a:lnRef idx="1">
@@ -8750,74 +9027,31 @@
             <a:schemeClr val="tx1"/>
           </a:fontRef>
         </p:style>
-        <p:txBody>
-          <a:bodyPr rtlCol="0" anchor="ctr"/>
-          <a:lstStyle/>
-          <a:p>
-            <a:pPr algn="ctr"/>
-            <a:endParaRPr lang="en-US"/>
-          </a:p>
-        </p:txBody>
-      </p:sp>
-      <p:sp>
-        <p:nvSpPr>
-          <p:cNvPr id="12" name="TextBox 11">
-            <a:extLst>
-              <a:ext uri="{FF2B5EF4-FFF2-40B4-BE49-F238E27FC236}">
-                <a16:creationId xmlns:a16="http://schemas.microsoft.com/office/drawing/2014/main" id="{EE1AADDA-37D3-9844-B79E-C978C748973D}"/>
-              </a:ext>
-            </a:extLst>
-          </p:cNvPr>
-          <p:cNvSpPr txBox="1"/>
-          <p:nvPr/>
-        </p:nvSpPr>
-        <p:spPr>
-          <a:xfrm>
-            <a:off x="9347555" y="3758684"/>
-            <a:ext cx="441146" cy="369332"/>
-          </a:xfrm>
-          <a:prstGeom prst="rect">
-            <a:avLst/>
-          </a:prstGeom>
-          <a:noFill/>
-        </p:spPr>
-        <p:txBody>
-          <a:bodyPr wrap="none" rtlCol="0">
-            <a:spAutoFit/>
-          </a:bodyPr>
-          <a:lstStyle/>
-          <a:p>
-            <a:r>
-              <a:rPr lang="en-US" dirty="0"/>
-              <a:t>70</a:t>
-            </a:r>
-          </a:p>
-        </p:txBody>
-      </p:sp>
-      <p:sp>
-        <p:nvSpPr>
-          <p:cNvPr id="13" name="Right Brace 12">
-            <a:extLst>
-              <a:ext uri="{FF2B5EF4-FFF2-40B4-BE49-F238E27FC236}">
-                <a16:creationId xmlns:a16="http://schemas.microsoft.com/office/drawing/2014/main" id="{35BAD9DE-5103-9948-A3A1-C0E4CD5814D3}"/>
-              </a:ext>
-            </a:extLst>
-          </p:cNvPr>
-          <p:cNvSpPr/>
-          <p:nvPr/>
-        </p:nvSpPr>
-        <p:spPr>
-          <a:xfrm rot="5400000">
-            <a:off x="5699453" y="2213329"/>
-            <a:ext cx="551353" cy="5743574"/>
-          </a:xfrm>
-          <a:prstGeom prst="rightBrace">
+      </p:cxnSp>
+      <p:cxnSp>
+        <p:nvCxnSpPr>
+          <p:cNvPr id="34" name="Elbow Connector 33">
+            <a:extLst>
+              <a:ext uri="{FF2B5EF4-FFF2-40B4-BE49-F238E27FC236}">
+                <a16:creationId xmlns:a16="http://schemas.microsoft.com/office/drawing/2014/main" id="{10F81614-2C6F-6741-8C5E-212B0551BF13}"/>
+              </a:ext>
+            </a:extLst>
+          </p:cNvPr>
+          <p:cNvCxnSpPr>
+            <a:cxnSpLocks/>
+          </p:cNvCxnSpPr>
+          <p:nvPr/>
+        </p:nvCxnSpPr>
+        <p:spPr>
+          <a:xfrm flipV="1">
+            <a:off x="5500688" y="2300288"/>
+            <a:ext cx="6005512" cy="242888"/>
+          </a:xfrm>
+          <a:prstGeom prst="bentConnector3">
             <a:avLst>
-              <a:gd name="adj1" fmla="val 8333"/>
-              <a:gd name="adj2" fmla="val 50379"/>
+              <a:gd name="adj1" fmla="val 86400"/>
             </a:avLst>
           </a:prstGeom>
-          <a:ln w="25400"/>
         </p:spPr>
         <p:style>
           <a:lnRef idx="1">
@@ -8833,21 +9067,13 @@
             <a:schemeClr val="tx1"/>
           </a:fontRef>
         </p:style>
-        <p:txBody>
-          <a:bodyPr rtlCol="0" anchor="ctr"/>
-          <a:lstStyle/>
-          <a:p>
-            <a:pPr algn="ctr"/>
-            <a:endParaRPr lang="en-US"/>
-          </a:p>
-        </p:txBody>
-      </p:sp>
-      <p:sp>
-        <p:nvSpPr>
-          <p:cNvPr id="14" name="TextBox 13">
-            <a:extLst>
-              <a:ext uri="{FF2B5EF4-FFF2-40B4-BE49-F238E27FC236}">
-                <a16:creationId xmlns:a16="http://schemas.microsoft.com/office/drawing/2014/main" id="{9CFCA4CF-158C-C94D-8927-7AD7383E2C42}"/>
+      </p:cxnSp>
+      <p:sp>
+        <p:nvSpPr>
+          <p:cNvPr id="42" name="TextBox 41">
+            <a:extLst>
+              <a:ext uri="{FF2B5EF4-FFF2-40B4-BE49-F238E27FC236}">
+                <a16:creationId xmlns:a16="http://schemas.microsoft.com/office/drawing/2014/main" id="{BAA09D59-62E5-7A4E-8B9E-E2EE1588D0A0}"/>
               </a:ext>
             </a:extLst>
           </p:cNvPr>
@@ -8856,8 +9082,8 @@
         </p:nvSpPr>
         <p:spPr>
           <a:xfrm>
-            <a:off x="5690434" y="5410380"/>
-            <a:ext cx="569387" cy="369332"/>
+            <a:off x="3786088" y="5611673"/>
+            <a:ext cx="1021433" cy="369332"/>
           </a:xfrm>
           <a:prstGeom prst="rect">
             <a:avLst/>
@@ -8871,420 +9097,22 @@
           <a:lstStyle/>
           <a:p>
             <a:r>
-              <a:rPr lang="en-US" dirty="0"/>
-              <a:t>448</a:t>
-            </a:r>
-          </a:p>
-        </p:txBody>
-      </p:sp>
-      <p:sp>
-        <p:nvSpPr>
-          <p:cNvPr id="15" name="Rectangle 14">
-            <a:extLst>
-              <a:ext uri="{FF2B5EF4-FFF2-40B4-BE49-F238E27FC236}">
-                <a16:creationId xmlns:a16="http://schemas.microsoft.com/office/drawing/2014/main" id="{CF6E234A-06C4-0747-A229-1AF566894D12}"/>
-              </a:ext>
-            </a:extLst>
-          </p:cNvPr>
-          <p:cNvSpPr/>
-          <p:nvPr/>
-        </p:nvSpPr>
-        <p:spPr>
-          <a:xfrm>
-            <a:off x="3241456" y="3406134"/>
-            <a:ext cx="587595" cy="1074431"/>
-          </a:xfrm>
-          <a:prstGeom prst="rect">
-            <a:avLst/>
-          </a:prstGeom>
-          <a:noFill/>
-          <a:ln w="25400">
-            <a:solidFill>
-              <a:schemeClr val="tx1"/>
-            </a:solidFill>
-          </a:ln>
-        </p:spPr>
-        <p:style>
-          <a:lnRef idx="2">
-            <a:schemeClr val="accent6"/>
-          </a:lnRef>
-          <a:fillRef idx="1">
-            <a:schemeClr val="lt1"/>
-          </a:fillRef>
-          <a:effectRef idx="0">
-            <a:schemeClr val="accent6"/>
-          </a:effectRef>
-          <a:fontRef idx="minor">
-            <a:schemeClr val="dk1"/>
-          </a:fontRef>
-        </p:style>
-        <p:txBody>
-          <a:bodyPr rot="0" spcFirstLastPara="0" vertOverflow="overflow" horzOverflow="overflow" vert="horz" wrap="square" lIns="91440" tIns="45720" rIns="91440" bIns="45720" numCol="1" spcCol="0" rtlCol="0" fromWordArt="0" anchor="ctr" anchorCtr="0" forceAA="0" compatLnSpc="1">
-            <a:prstTxWarp prst="textNoShape">
-              <a:avLst/>
-            </a:prstTxWarp>
-            <a:noAutofit/>
-          </a:bodyPr>
-          <a:lstStyle/>
-          <a:p>
-            <a:pPr algn="ctr"/>
-            <a:endParaRPr lang="en-US" dirty="0">
-              <a:ln w="0"/>
-              <a:solidFill>
-                <a:schemeClr val="tx1"/>
-              </a:solidFill>
-              <a:effectLst>
-                <a:outerShdw blurRad="38100" dist="19050" dir="2700000" algn="tl" rotWithShape="0">
-                  <a:schemeClr val="dk1">
-                    <a:alpha val="40000"/>
-                  </a:schemeClr>
-                </a:outerShdw>
-              </a:effectLst>
-            </a:endParaRPr>
-          </a:p>
-        </p:txBody>
-      </p:sp>
-      <p:sp>
-        <p:nvSpPr>
-          <p:cNvPr id="16" name="Rectangle 15">
-            <a:extLst>
-              <a:ext uri="{FF2B5EF4-FFF2-40B4-BE49-F238E27FC236}">
-                <a16:creationId xmlns:a16="http://schemas.microsoft.com/office/drawing/2014/main" id="{15FF9C43-C712-CD4D-9E67-24AFACA6C1B0}"/>
-              </a:ext>
-            </a:extLst>
-          </p:cNvPr>
-          <p:cNvSpPr/>
-          <p:nvPr/>
-        </p:nvSpPr>
-        <p:spPr>
-          <a:xfrm>
-            <a:off x="4037194" y="3406134"/>
-            <a:ext cx="587595" cy="1074431"/>
-          </a:xfrm>
-          <a:prstGeom prst="rect">
-            <a:avLst/>
-          </a:prstGeom>
-          <a:noFill/>
-          <a:ln w="25400">
-            <a:solidFill>
-              <a:schemeClr val="tx1"/>
-            </a:solidFill>
-          </a:ln>
-        </p:spPr>
-        <p:style>
-          <a:lnRef idx="2">
-            <a:schemeClr val="accent6"/>
-          </a:lnRef>
-          <a:fillRef idx="1">
-            <a:schemeClr val="lt1"/>
-          </a:fillRef>
-          <a:effectRef idx="0">
-            <a:schemeClr val="accent6"/>
-          </a:effectRef>
-          <a:fontRef idx="minor">
-            <a:schemeClr val="dk1"/>
-          </a:fontRef>
-        </p:style>
-        <p:txBody>
-          <a:bodyPr rot="0" spcFirstLastPara="0" vertOverflow="overflow" horzOverflow="overflow" vert="horz" wrap="square" lIns="91440" tIns="45720" rIns="91440" bIns="45720" numCol="1" spcCol="0" rtlCol="0" fromWordArt="0" anchor="ctr" anchorCtr="0" forceAA="0" compatLnSpc="1">
-            <a:prstTxWarp prst="textNoShape">
-              <a:avLst/>
-            </a:prstTxWarp>
-            <a:noAutofit/>
-          </a:bodyPr>
-          <a:lstStyle/>
-          <a:p>
-            <a:pPr algn="ctr"/>
-            <a:endParaRPr lang="en-US" dirty="0">
-              <a:ln w="0"/>
-              <a:solidFill>
-                <a:schemeClr val="tx1"/>
-              </a:solidFill>
-              <a:effectLst>
-                <a:outerShdw blurRad="38100" dist="19050" dir="2700000" algn="tl" rotWithShape="0">
-                  <a:schemeClr val="dk1">
-                    <a:alpha val="40000"/>
-                  </a:schemeClr>
-                </a:outerShdw>
-              </a:effectLst>
-            </a:endParaRPr>
-          </a:p>
-        </p:txBody>
-      </p:sp>
-      <p:sp>
-        <p:nvSpPr>
-          <p:cNvPr id="17" name="Rectangle 16">
-            <a:extLst>
-              <a:ext uri="{FF2B5EF4-FFF2-40B4-BE49-F238E27FC236}">
-                <a16:creationId xmlns:a16="http://schemas.microsoft.com/office/drawing/2014/main" id="{281A5E3E-3395-8343-BE37-FA12E1C86B19}"/>
-              </a:ext>
-            </a:extLst>
-          </p:cNvPr>
-          <p:cNvSpPr/>
-          <p:nvPr/>
-        </p:nvSpPr>
-        <p:spPr>
-          <a:xfrm>
-            <a:off x="5236292" y="3415784"/>
-            <a:ext cx="587595" cy="1074431"/>
-          </a:xfrm>
-          <a:prstGeom prst="rect">
-            <a:avLst/>
-          </a:prstGeom>
-          <a:noFill/>
-          <a:ln w="25400">
-            <a:solidFill>
-              <a:schemeClr val="tx1"/>
-            </a:solidFill>
-          </a:ln>
-        </p:spPr>
-        <p:style>
-          <a:lnRef idx="2">
-            <a:schemeClr val="accent6"/>
-          </a:lnRef>
-          <a:fillRef idx="1">
-            <a:schemeClr val="lt1"/>
-          </a:fillRef>
-          <a:effectRef idx="0">
-            <a:schemeClr val="accent6"/>
-          </a:effectRef>
-          <a:fontRef idx="minor">
-            <a:schemeClr val="dk1"/>
-          </a:fontRef>
-        </p:style>
-        <p:txBody>
-          <a:bodyPr rot="0" spcFirstLastPara="0" vertOverflow="overflow" horzOverflow="overflow" vert="horz" wrap="square" lIns="91440" tIns="45720" rIns="91440" bIns="45720" numCol="1" spcCol="0" rtlCol="0" fromWordArt="0" anchor="ctr" anchorCtr="0" forceAA="0" compatLnSpc="1">
-            <a:prstTxWarp prst="textNoShape">
-              <a:avLst/>
-            </a:prstTxWarp>
-            <a:noAutofit/>
-          </a:bodyPr>
-          <a:lstStyle/>
-          <a:p>
-            <a:pPr algn="ctr"/>
-            <a:endParaRPr lang="en-US" dirty="0">
-              <a:ln w="0"/>
-              <a:solidFill>
-                <a:schemeClr val="tx1"/>
-              </a:solidFill>
-              <a:effectLst>
-                <a:outerShdw blurRad="38100" dist="19050" dir="2700000" algn="tl" rotWithShape="0">
-                  <a:schemeClr val="dk1">
-                    <a:alpha val="40000"/>
-                  </a:schemeClr>
-                </a:outerShdw>
-              </a:effectLst>
-            </a:endParaRPr>
-          </a:p>
-        </p:txBody>
-      </p:sp>
-      <p:sp>
-        <p:nvSpPr>
-          <p:cNvPr id="18" name="Rectangle 17">
-            <a:extLst>
-              <a:ext uri="{FF2B5EF4-FFF2-40B4-BE49-F238E27FC236}">
-                <a16:creationId xmlns:a16="http://schemas.microsoft.com/office/drawing/2014/main" id="{96F1131A-560E-D34E-A8CA-FAC7F675B3C6}"/>
-              </a:ext>
-            </a:extLst>
-          </p:cNvPr>
-          <p:cNvSpPr/>
-          <p:nvPr/>
-        </p:nvSpPr>
-        <p:spPr>
-          <a:xfrm>
-            <a:off x="6096000" y="3409982"/>
-            <a:ext cx="587595" cy="1074431"/>
-          </a:xfrm>
-          <a:prstGeom prst="rect">
-            <a:avLst/>
-          </a:prstGeom>
-          <a:noFill/>
-          <a:ln w="25400">
-            <a:solidFill>
-              <a:schemeClr val="tx1"/>
-            </a:solidFill>
-          </a:ln>
-        </p:spPr>
-        <p:style>
-          <a:lnRef idx="2">
-            <a:schemeClr val="accent6"/>
-          </a:lnRef>
-          <a:fillRef idx="1">
-            <a:schemeClr val="lt1"/>
-          </a:fillRef>
-          <a:effectRef idx="0">
-            <a:schemeClr val="accent6"/>
-          </a:effectRef>
-          <a:fontRef idx="minor">
-            <a:schemeClr val="dk1"/>
-          </a:fontRef>
-        </p:style>
-        <p:txBody>
-          <a:bodyPr rot="0" spcFirstLastPara="0" vertOverflow="overflow" horzOverflow="overflow" vert="horz" wrap="square" lIns="91440" tIns="45720" rIns="91440" bIns="45720" numCol="1" spcCol="0" rtlCol="0" fromWordArt="0" anchor="ctr" anchorCtr="0" forceAA="0" compatLnSpc="1">
-            <a:prstTxWarp prst="textNoShape">
-              <a:avLst/>
-            </a:prstTxWarp>
-            <a:noAutofit/>
-          </a:bodyPr>
-          <a:lstStyle/>
-          <a:p>
-            <a:pPr algn="ctr"/>
-            <a:endParaRPr lang="en-US" dirty="0">
-              <a:ln w="0"/>
-              <a:solidFill>
-                <a:schemeClr val="tx1"/>
-              </a:solidFill>
-              <a:effectLst>
-                <a:outerShdw blurRad="38100" dist="19050" dir="2700000" algn="tl" rotWithShape="0">
-                  <a:schemeClr val="dk1">
-                    <a:alpha val="40000"/>
-                  </a:schemeClr>
-                </a:outerShdw>
-              </a:effectLst>
-            </a:endParaRPr>
-          </a:p>
-        </p:txBody>
-      </p:sp>
-      <p:sp>
-        <p:nvSpPr>
-          <p:cNvPr id="19" name="Rectangle 18">
-            <a:extLst>
-              <a:ext uri="{FF2B5EF4-FFF2-40B4-BE49-F238E27FC236}">
-                <a16:creationId xmlns:a16="http://schemas.microsoft.com/office/drawing/2014/main" id="{BE2A1D13-D389-CD4D-82D1-24EBC663691C}"/>
-              </a:ext>
-            </a:extLst>
-          </p:cNvPr>
-          <p:cNvSpPr/>
-          <p:nvPr/>
-        </p:nvSpPr>
-        <p:spPr>
-          <a:xfrm>
-            <a:off x="7249024" y="3398181"/>
-            <a:ext cx="587595" cy="1074431"/>
-          </a:xfrm>
-          <a:prstGeom prst="rect">
-            <a:avLst/>
-          </a:prstGeom>
-          <a:noFill/>
-          <a:ln w="25400">
-            <a:solidFill>
-              <a:schemeClr val="tx1"/>
-            </a:solidFill>
-          </a:ln>
-        </p:spPr>
-        <p:style>
-          <a:lnRef idx="2">
-            <a:schemeClr val="accent6"/>
-          </a:lnRef>
-          <a:fillRef idx="1">
-            <a:schemeClr val="lt1"/>
-          </a:fillRef>
-          <a:effectRef idx="0">
-            <a:schemeClr val="accent6"/>
-          </a:effectRef>
-          <a:fontRef idx="minor">
-            <a:schemeClr val="dk1"/>
-          </a:fontRef>
-        </p:style>
-        <p:txBody>
-          <a:bodyPr rot="0" spcFirstLastPara="0" vertOverflow="overflow" horzOverflow="overflow" vert="horz" wrap="square" lIns="91440" tIns="45720" rIns="91440" bIns="45720" numCol="1" spcCol="0" rtlCol="0" fromWordArt="0" anchor="ctr" anchorCtr="0" forceAA="0" compatLnSpc="1">
-            <a:prstTxWarp prst="textNoShape">
-              <a:avLst/>
-            </a:prstTxWarp>
-            <a:noAutofit/>
-          </a:bodyPr>
-          <a:lstStyle/>
-          <a:p>
-            <a:pPr algn="ctr"/>
-            <a:endParaRPr lang="en-US" dirty="0">
-              <a:ln w="0"/>
-              <a:solidFill>
-                <a:schemeClr val="tx1"/>
-              </a:solidFill>
-              <a:effectLst>
-                <a:outerShdw blurRad="38100" dist="19050" dir="2700000" algn="tl" rotWithShape="0">
-                  <a:schemeClr val="dk1">
-                    <a:alpha val="40000"/>
-                  </a:schemeClr>
-                </a:outerShdw>
-              </a:effectLst>
-            </a:endParaRPr>
-          </a:p>
-        </p:txBody>
-      </p:sp>
-      <p:sp>
-        <p:nvSpPr>
-          <p:cNvPr id="20" name="Rectangle 19">
-            <a:extLst>
-              <a:ext uri="{FF2B5EF4-FFF2-40B4-BE49-F238E27FC236}">
-                <a16:creationId xmlns:a16="http://schemas.microsoft.com/office/drawing/2014/main" id="{55FB7A02-7557-9E46-BA46-939F577CBAF0}"/>
-              </a:ext>
-            </a:extLst>
-          </p:cNvPr>
-          <p:cNvSpPr/>
-          <p:nvPr/>
-        </p:nvSpPr>
-        <p:spPr>
-          <a:xfrm>
-            <a:off x="8013195" y="3398180"/>
-            <a:ext cx="587595" cy="1074431"/>
-          </a:xfrm>
-          <a:prstGeom prst="rect">
-            <a:avLst/>
-          </a:prstGeom>
-          <a:noFill/>
-          <a:ln w="25400">
-            <a:solidFill>
-              <a:schemeClr val="tx1"/>
-            </a:solidFill>
-          </a:ln>
-        </p:spPr>
-        <p:style>
-          <a:lnRef idx="2">
-            <a:schemeClr val="accent6"/>
-          </a:lnRef>
-          <a:fillRef idx="1">
-            <a:schemeClr val="lt1"/>
-          </a:fillRef>
-          <a:effectRef idx="0">
-            <a:schemeClr val="accent6"/>
-          </a:effectRef>
-          <a:fontRef idx="minor">
-            <a:schemeClr val="dk1"/>
-          </a:fontRef>
-        </p:style>
-        <p:txBody>
-          <a:bodyPr rot="0" spcFirstLastPara="0" vertOverflow="overflow" horzOverflow="overflow" vert="horz" wrap="square" lIns="91440" tIns="45720" rIns="91440" bIns="45720" numCol="1" spcCol="0" rtlCol="0" fromWordArt="0" anchor="ctr" anchorCtr="0" forceAA="0" compatLnSpc="1">
-            <a:prstTxWarp prst="textNoShape">
-              <a:avLst/>
-            </a:prstTxWarp>
-            <a:noAutofit/>
-          </a:bodyPr>
-          <a:lstStyle/>
-          <a:p>
-            <a:pPr algn="ctr"/>
-            <a:endParaRPr lang="en-US" dirty="0">
-              <a:ln w="0"/>
-              <a:solidFill>
-                <a:schemeClr val="tx1"/>
-              </a:solidFill>
-              <a:effectLst>
-                <a:outerShdw blurRad="38100" dist="19050" dir="2700000" algn="tl" rotWithShape="0">
-                  <a:schemeClr val="dk1">
-                    <a:alpha val="40000"/>
-                  </a:schemeClr>
-                </a:outerShdw>
-              </a:effectLst>
-            </a:endParaRPr>
-          </a:p>
-        </p:txBody>
-      </p:sp>
-      <p:sp>
-        <p:nvSpPr>
-          <p:cNvPr id="21" name="TextBox 20">
-            <a:extLst>
-              <a:ext uri="{FF2B5EF4-FFF2-40B4-BE49-F238E27FC236}">
-                <a16:creationId xmlns:a16="http://schemas.microsoft.com/office/drawing/2014/main" id="{525471A6-4AB3-6341-8EE5-EF28D7C0C638}"/>
+              <a:rPr lang="en-US" dirty="0">
+                <a:solidFill>
+                  <a:srgbClr val="00B050"/>
+                </a:solidFill>
+              </a:rPr>
+              <a:t>V SYNC</a:t>
+            </a:r>
+          </a:p>
+        </p:txBody>
+      </p:sp>
+      <p:sp>
+        <p:nvSpPr>
+          <p:cNvPr id="43" name="TextBox 42">
+            <a:extLst>
+              <a:ext uri="{FF2B5EF4-FFF2-40B4-BE49-F238E27FC236}">
+                <a16:creationId xmlns:a16="http://schemas.microsoft.com/office/drawing/2014/main" id="{B7FC7927-9222-5342-A624-34A7383E0657}"/>
               </a:ext>
             </a:extLst>
           </p:cNvPr>
@@ -9293,8 +9121,8 @@
         </p:nvSpPr>
         <p:spPr>
           <a:xfrm>
-            <a:off x="4701078" y="2815619"/>
-            <a:ext cx="439544" cy="1200329"/>
+            <a:off x="8129587" y="5179188"/>
+            <a:ext cx="1702710" cy="369332"/>
           </a:xfrm>
           <a:prstGeom prst="rect">
             <a:avLst/>
@@ -9308,320 +9136,8 @@
           <a:lstStyle/>
           <a:p>
             <a:r>
-              <a:rPr lang="en-US" sz="7200" dirty="0"/>
-              <a:t>.</a:t>
-            </a:r>
-          </a:p>
-        </p:txBody>
-      </p:sp>
-      <p:sp>
-        <p:nvSpPr>
-          <p:cNvPr id="22" name="TextBox 21">
-            <a:extLst>
-              <a:ext uri="{FF2B5EF4-FFF2-40B4-BE49-F238E27FC236}">
-                <a16:creationId xmlns:a16="http://schemas.microsoft.com/office/drawing/2014/main" id="{B3CC7938-CB01-D54D-B833-425803C65180}"/>
-              </a:ext>
-            </a:extLst>
-          </p:cNvPr>
-          <p:cNvSpPr txBox="1"/>
-          <p:nvPr/>
-        </p:nvSpPr>
-        <p:spPr>
-          <a:xfrm>
-            <a:off x="4697683" y="3324612"/>
-            <a:ext cx="439544" cy="1200329"/>
-          </a:xfrm>
-          <a:prstGeom prst="rect">
-            <a:avLst/>
-          </a:prstGeom>
-          <a:noFill/>
-        </p:spPr>
-        <p:txBody>
-          <a:bodyPr wrap="none" rtlCol="0">
-            <a:spAutoFit/>
-          </a:bodyPr>
-          <a:lstStyle/>
-          <a:p>
-            <a:r>
-              <a:rPr lang="en-US" sz="7200" dirty="0"/>
-              <a:t>.</a:t>
-            </a:r>
-          </a:p>
-        </p:txBody>
-      </p:sp>
-      <p:sp>
-        <p:nvSpPr>
-          <p:cNvPr id="23" name="TextBox 22">
-            <a:extLst>
-              <a:ext uri="{FF2B5EF4-FFF2-40B4-BE49-F238E27FC236}">
-                <a16:creationId xmlns:a16="http://schemas.microsoft.com/office/drawing/2014/main" id="{2327753A-F001-684B-BE53-5CB6CBED2850}"/>
-              </a:ext>
-            </a:extLst>
-          </p:cNvPr>
-          <p:cNvSpPr txBox="1"/>
-          <p:nvPr/>
-        </p:nvSpPr>
-        <p:spPr>
-          <a:xfrm>
-            <a:off x="6714142" y="2833255"/>
-            <a:ext cx="439544" cy="1200329"/>
-          </a:xfrm>
-          <a:prstGeom prst="rect">
-            <a:avLst/>
-          </a:prstGeom>
-          <a:noFill/>
-        </p:spPr>
-        <p:txBody>
-          <a:bodyPr wrap="none" rtlCol="0">
-            <a:spAutoFit/>
-          </a:bodyPr>
-          <a:lstStyle/>
-          <a:p>
-            <a:r>
-              <a:rPr lang="en-US" sz="7200" dirty="0"/>
-              <a:t>.</a:t>
-            </a:r>
-          </a:p>
-        </p:txBody>
-      </p:sp>
-      <p:sp>
-        <p:nvSpPr>
-          <p:cNvPr id="24" name="TextBox 23">
-            <a:extLst>
-              <a:ext uri="{FF2B5EF4-FFF2-40B4-BE49-F238E27FC236}">
-                <a16:creationId xmlns:a16="http://schemas.microsoft.com/office/drawing/2014/main" id="{B670A4E0-2BDF-0C4A-AA0D-3FCF0D189893}"/>
-              </a:ext>
-            </a:extLst>
-          </p:cNvPr>
-          <p:cNvSpPr txBox="1"/>
-          <p:nvPr/>
-        </p:nvSpPr>
-        <p:spPr>
-          <a:xfrm>
-            <a:off x="6710747" y="3325682"/>
-            <a:ext cx="439544" cy="1200329"/>
-          </a:xfrm>
-          <a:prstGeom prst="rect">
-            <a:avLst/>
-          </a:prstGeom>
-          <a:noFill/>
-        </p:spPr>
-        <p:txBody>
-          <a:bodyPr wrap="none" rtlCol="0">
-            <a:spAutoFit/>
-          </a:bodyPr>
-          <a:lstStyle/>
-          <a:p>
-            <a:r>
-              <a:rPr lang="en-US" sz="7200" dirty="0"/>
-              <a:t>.</a:t>
-            </a:r>
-          </a:p>
-        </p:txBody>
-      </p:sp>
-      <p:sp>
-        <p:nvSpPr>
-          <p:cNvPr id="3" name="TextBox 2">
-            <a:extLst>
-              <a:ext uri="{FF2B5EF4-FFF2-40B4-BE49-F238E27FC236}">
-                <a16:creationId xmlns:a16="http://schemas.microsoft.com/office/drawing/2014/main" id="{34DDC508-AE5B-C142-ABE1-51E5A178C4EC}"/>
-              </a:ext>
-            </a:extLst>
-          </p:cNvPr>
-          <p:cNvSpPr txBox="1"/>
-          <p:nvPr/>
-        </p:nvSpPr>
-        <p:spPr>
-          <a:xfrm>
-            <a:off x="3309928" y="3430005"/>
-            <a:ext cx="439544" cy="1015663"/>
-          </a:xfrm>
-          <a:prstGeom prst="rect">
-            <a:avLst/>
-          </a:prstGeom>
-          <a:noFill/>
-        </p:spPr>
-        <p:txBody>
-          <a:bodyPr wrap="none" rtlCol="0">
-            <a:spAutoFit/>
-          </a:bodyPr>
-          <a:lstStyle/>
-          <a:p>
-            <a:r>
-              <a:rPr lang="en-US" sz="1200" dirty="0"/>
-              <a:t>111</a:t>
-            </a:r>
-            <a:br>
-              <a:rPr lang="en-US" sz="1200" dirty="0"/>
-            </a:br>
-            <a:r>
-              <a:rPr lang="en-US" sz="1200" dirty="0"/>
-              <a:t>101</a:t>
-            </a:r>
-            <a:br>
-              <a:rPr lang="en-US" sz="1200" dirty="0"/>
-            </a:br>
-            <a:r>
-              <a:rPr lang="en-US" sz="1200" dirty="0"/>
-              <a:t>101</a:t>
-            </a:r>
-            <a:br>
-              <a:rPr lang="en-US" sz="1200" dirty="0"/>
-            </a:br>
-            <a:r>
-              <a:rPr lang="en-US" sz="1200" dirty="0"/>
-              <a:t>101</a:t>
-            </a:r>
-            <a:br>
-              <a:rPr lang="en-US" sz="1200" dirty="0"/>
-            </a:br>
-            <a:r>
-              <a:rPr lang="en-US" sz="1200" dirty="0"/>
-              <a:t>111</a:t>
-            </a:r>
-          </a:p>
-        </p:txBody>
-      </p:sp>
-      <p:sp>
-        <p:nvSpPr>
-          <p:cNvPr id="6" name="TextBox 5">
-            <a:extLst>
-              <a:ext uri="{FF2B5EF4-FFF2-40B4-BE49-F238E27FC236}">
-                <a16:creationId xmlns:a16="http://schemas.microsoft.com/office/drawing/2014/main" id="{8381C617-B9B4-6F43-BEBD-7B662F77BB54}"/>
-              </a:ext>
-            </a:extLst>
-          </p:cNvPr>
-          <p:cNvSpPr txBox="1"/>
-          <p:nvPr/>
-        </p:nvSpPr>
-        <p:spPr>
-          <a:xfrm>
-            <a:off x="3794091" y="3421062"/>
-            <a:ext cx="269626" cy="1015663"/>
-          </a:xfrm>
-          <a:prstGeom prst="rect">
-            <a:avLst/>
-          </a:prstGeom>
-          <a:noFill/>
-        </p:spPr>
-        <p:txBody>
-          <a:bodyPr wrap="none" rtlCol="0">
-            <a:spAutoFit/>
-          </a:bodyPr>
-          <a:lstStyle/>
-          <a:p>
-            <a:r>
-              <a:rPr lang="en-US" sz="1200" dirty="0"/>
-              <a:t>0</a:t>
-            </a:r>
-            <a:br>
-              <a:rPr lang="en-US" sz="1200" dirty="0"/>
-            </a:br>
-            <a:r>
-              <a:rPr lang="en-US" sz="1200" dirty="0"/>
-              <a:t>0</a:t>
-            </a:r>
-            <a:br>
-              <a:rPr lang="en-US" sz="1200" dirty="0"/>
-            </a:br>
-            <a:r>
-              <a:rPr lang="en-US" sz="1200" dirty="0"/>
-              <a:t>0</a:t>
-            </a:r>
-          </a:p>
-          <a:p>
-            <a:r>
-              <a:rPr lang="en-US" sz="1200" dirty="0"/>
-              <a:t>0</a:t>
-            </a:r>
-          </a:p>
-          <a:p>
-            <a:r>
-              <a:rPr lang="en-US" sz="1200" dirty="0"/>
-              <a:t>0</a:t>
-            </a:r>
-          </a:p>
-        </p:txBody>
-      </p:sp>
-      <p:sp>
-        <p:nvSpPr>
-          <p:cNvPr id="25" name="Right Brace 24">
-            <a:extLst>
-              <a:ext uri="{FF2B5EF4-FFF2-40B4-BE49-F238E27FC236}">
-                <a16:creationId xmlns:a16="http://schemas.microsoft.com/office/drawing/2014/main" id="{754F9B97-8D28-734A-82A7-389E6BE2E021}"/>
-              </a:ext>
-            </a:extLst>
-          </p:cNvPr>
-          <p:cNvSpPr/>
-          <p:nvPr/>
-        </p:nvSpPr>
-        <p:spPr>
-          <a:xfrm rot="16200000">
-            <a:off x="3504911" y="2852387"/>
-            <a:ext cx="268828" cy="795738"/>
-          </a:xfrm>
-          <a:prstGeom prst="rightBrace">
-            <a:avLst>
-              <a:gd name="adj1" fmla="val 8333"/>
-              <a:gd name="adj2" fmla="val 50379"/>
-            </a:avLst>
-          </a:prstGeom>
-          <a:ln w="25400"/>
-        </p:spPr>
-        <p:style>
-          <a:lnRef idx="1">
-            <a:schemeClr val="accent1"/>
-          </a:lnRef>
-          <a:fillRef idx="0">
-            <a:schemeClr val="accent1"/>
-          </a:fillRef>
-          <a:effectRef idx="0">
-            <a:schemeClr val="accent1"/>
-          </a:effectRef>
-          <a:fontRef idx="minor">
-            <a:schemeClr val="tx1"/>
-          </a:fontRef>
-        </p:style>
-        <p:txBody>
-          <a:bodyPr rtlCol="0" anchor="ctr"/>
-          <a:lstStyle/>
-          <a:p>
-            <a:pPr algn="ctr"/>
-            <a:endParaRPr lang="en-US"/>
-          </a:p>
-        </p:txBody>
-      </p:sp>
-      <p:sp>
-        <p:nvSpPr>
-          <p:cNvPr id="26" name="TextBox 25">
-            <a:extLst>
-              <a:ext uri="{FF2B5EF4-FFF2-40B4-BE49-F238E27FC236}">
-                <a16:creationId xmlns:a16="http://schemas.microsoft.com/office/drawing/2014/main" id="{AC42D35B-4824-1340-AAFC-FABB8C5A4366}"/>
-              </a:ext>
-            </a:extLst>
-          </p:cNvPr>
-          <p:cNvSpPr txBox="1"/>
-          <p:nvPr/>
-        </p:nvSpPr>
-        <p:spPr>
-          <a:xfrm>
-            <a:off x="3423144" y="2785069"/>
-            <a:ext cx="441146" cy="369332"/>
-          </a:xfrm>
-          <a:prstGeom prst="rect">
-            <a:avLst/>
-          </a:prstGeom>
-          <a:noFill/>
-        </p:spPr>
-        <p:txBody>
-          <a:bodyPr wrap="none" rtlCol="0">
-            <a:spAutoFit/>
-          </a:bodyPr>
-          <a:lstStyle/>
-          <a:p>
-            <a:r>
               <a:rPr lang="en-US" dirty="0"/>
-              <a:t>56</a:t>
+              <a:t>BLANK SPACE</a:t>
             </a:r>
           </a:p>
         </p:txBody>
@@ -9629,7 +9145,7 @@
     </p:spTree>
     <p:extLst>
       <p:ext uri="{BB962C8B-B14F-4D97-AF65-F5344CB8AC3E}">
-        <p14:creationId xmlns:p14="http://schemas.microsoft.com/office/powerpoint/2010/main" val="3741617501"/>
+        <p14:creationId xmlns:p14="http://schemas.microsoft.com/office/powerpoint/2010/main" val="3722409463"/>
       </p:ext>
     </p:extLst>
   </p:cSld>
@@ -9661,7 +9177,7 @@
           <p:cNvPr id="2" name="Title 1">
             <a:extLst>
               <a:ext uri="{FF2B5EF4-FFF2-40B4-BE49-F238E27FC236}">
-                <a16:creationId xmlns:a16="http://schemas.microsoft.com/office/drawing/2014/main" id="{ED421C18-C8D2-5945-B0CD-BACF135A333F}"/>
+                <a16:creationId xmlns:a16="http://schemas.microsoft.com/office/drawing/2014/main" id="{8E86D019-24A8-9440-9D66-B6A938C270D8}"/>
               </a:ext>
             </a:extLst>
           </p:cNvPr>
@@ -9679,7 +9195,7 @@
           <a:p>
             <a:r>
               <a:rPr lang="en-US" dirty="0"/>
-              <a:t>SEÑALES DE SINCRONISMO</a:t>
+              <a:t>CONTROLADOR RGB</a:t>
             </a:r>
           </a:p>
         </p:txBody>
@@ -9689,7 +9205,7 @@
           <p:cNvPr id="3" name="Content Placeholder 2">
             <a:extLst>
               <a:ext uri="{FF2B5EF4-FFF2-40B4-BE49-F238E27FC236}">
-                <a16:creationId xmlns:a16="http://schemas.microsoft.com/office/drawing/2014/main" id="{BC67A11A-2E50-E745-A500-F46BD3714F1D}"/>
+                <a16:creationId xmlns:a16="http://schemas.microsoft.com/office/drawing/2014/main" id="{C62D7E75-2E7A-EE49-99AE-2147F0BC9B41}"/>
               </a:ext>
             </a:extLst>
           </p:cNvPr>
@@ -9702,82 +9218,114 @@
         </p:nvSpPr>
         <p:spPr>
           <a:xfrm>
-            <a:off x="685800" y="2194560"/>
-            <a:ext cx="4457700" cy="4024125"/>
-          </a:xfrm>
-        </p:spPr>
-        <p:txBody>
-          <a:bodyPr>
-            <a:normAutofit lnSpcReduction="10000"/>
-          </a:bodyPr>
-          <a:lstStyle/>
-          <a:p>
+            <a:off x="685800" y="2566035"/>
+            <a:ext cx="4100513" cy="4024125"/>
+          </a:xfrm>
+        </p:spPr>
+        <p:txBody>
+          <a:bodyPr/>
+          <a:lstStyle/>
+          <a:p>
+            <a:r>
+              <a:rPr lang="en-US" dirty="0" err="1"/>
+              <a:t>Determina</a:t>
+            </a:r>
             <a:r>
               <a:rPr lang="en-US" dirty="0"/>
-              <a:t>RESOLUSIÓN UTILIZADA: 640x480</a:t>
-            </a:r>
-          </a:p>
-          <a:p>
+              <a:t> </a:t>
+            </a:r>
+            <a:r>
+              <a:rPr lang="en-US" dirty="0" err="1"/>
+              <a:t>si</a:t>
+            </a:r>
             <a:r>
               <a:rPr lang="en-US" dirty="0"/>
-              <a:t>H SYNC:</a:t>
-            </a:r>
-            <a:br>
+              <a:t> </a:t>
+            </a:r>
+            <a:r>
+              <a:rPr lang="en-US" dirty="0" err="1"/>
+              <a:t>en</a:t>
+            </a:r>
+            <a:r>
               <a:rPr lang="en-US" dirty="0"/>
-            </a:br>
+              <a:t> un pixel dado, </a:t>
+            </a:r>
+            <a:r>
+              <a:rPr lang="en-US" dirty="0" err="1"/>
+              <a:t>dentro</a:t>
+            </a:r>
             <a:r>
               <a:rPr lang="en-US" dirty="0"/>
-              <a:t>BACK PORCH: 48 PIXELES</a:t>
-            </a:r>
-            <a:br>
+              <a:t> de la zona de </a:t>
+            </a:r>
+            <a:r>
+              <a:rPr lang="en-US" dirty="0" err="1"/>
+              <a:t>escritura</a:t>
+            </a:r>
+            <a:r>
               <a:rPr lang="en-US" dirty="0"/>
-            </a:br>
+              <a:t>, </a:t>
+            </a:r>
+            <a:r>
+              <a:rPr lang="en-US" dirty="0" err="1"/>
+              <a:t>este</a:t>
+            </a:r>
             <a:r>
               <a:rPr lang="en-US" dirty="0"/>
-              <a:t>SYNC: 96 PIXELES</a:t>
-            </a:r>
-            <a:br>
+              <a:t> </a:t>
+            </a:r>
+            <a:r>
+              <a:rPr lang="en-US" dirty="0" err="1"/>
+              <a:t>esta</a:t>
+            </a:r>
+            <a:r>
               <a:rPr lang="en-US" dirty="0"/>
-            </a:br>
+              <a:t> </a:t>
+            </a:r>
+            <a:r>
+              <a:rPr lang="en-US" dirty="0" err="1"/>
+              <a:t>prendido</a:t>
+            </a:r>
             <a:r>
               <a:rPr lang="en-US" dirty="0"/>
-              <a:t>FRONT PORCH: 16 PIXELES</a:t>
-            </a:r>
-          </a:p>
-          <a:p>
+              <a:t> o </a:t>
+            </a:r>
+            <a:r>
+              <a:rPr lang="en-US" dirty="0" err="1"/>
+              <a:t>apagado</a:t>
+            </a:r>
             <a:r>
               <a:rPr lang="en-US" dirty="0"/>
-              <a:t>V SYNC</a:t>
-            </a:r>
-            <a:br>
+              <a:t> para </a:t>
+            </a:r>
+            <a:r>
+              <a:rPr lang="en-US" dirty="0" err="1"/>
+              <a:t>terminar</a:t>
+            </a:r>
+            <a:r>
               <a:rPr lang="en-US" dirty="0"/>
-            </a:br>
+              <a:t> </a:t>
+            </a:r>
+            <a:r>
+              <a:rPr lang="en-US" dirty="0" err="1"/>
+              <a:t>formando</a:t>
+            </a:r>
             <a:r>
               <a:rPr lang="en-US" dirty="0"/>
-              <a:t>BACK PORCH: 33 H SYNC</a:t>
-            </a:r>
-            <a:br>
+              <a:t> </a:t>
+            </a:r>
+            <a:r>
+              <a:rPr lang="en-US" dirty="0" err="1"/>
+              <a:t>los</a:t>
+            </a:r>
+            <a:r>
               <a:rPr lang="en-US" dirty="0"/>
-            </a:br>
-            <a:r>
-              <a:rPr lang="en-US" dirty="0"/>
-              <a:t>SYNC: 2 H SYNC</a:t>
-            </a:r>
-            <a:br>
-              <a:rPr lang="en-US" dirty="0"/>
-            </a:br>
-            <a:r>
-              <a:rPr lang="en-US" dirty="0"/>
-              <a:t>FRONT PORCH: 10 H SYNC</a:t>
-            </a:r>
-          </a:p>
-          <a:p>
-            <a:pPr marL="0" indent="0">
-              <a:buNone/>
-            </a:pPr>
-            <a:br>
-              <a:rPr lang="en-US" dirty="0"/>
-            </a:br>
+              <a:t> </a:t>
+            </a:r>
+            <a:r>
+              <a:rPr lang="en-US" dirty="0" err="1"/>
+              <a:t>números</a:t>
+            </a:r>
             <a:endParaRPr lang="en-US" dirty="0"/>
           </a:p>
         </p:txBody>
@@ -9787,7 +9335,7 @@
           <p:cNvPr id="4" name="Rectangle 3">
             <a:extLst>
               <a:ext uri="{FF2B5EF4-FFF2-40B4-BE49-F238E27FC236}">
-                <a16:creationId xmlns:a16="http://schemas.microsoft.com/office/drawing/2014/main" id="{C2D6E605-07C8-294E-9CE7-0D65FAA85EFF}"/>
+                <a16:creationId xmlns:a16="http://schemas.microsoft.com/office/drawing/2014/main" id="{DB09495D-51F6-BA4B-BD71-9AE1D7228B69}"/>
               </a:ext>
             </a:extLst>
           </p:cNvPr>
@@ -9796,8 +9344,8 @@
         </p:nvSpPr>
         <p:spPr>
           <a:xfrm>
-            <a:off x="5500688" y="2055216"/>
-            <a:ext cx="6472237" cy="4036226"/>
+            <a:off x="6543675" y="2488656"/>
+            <a:ext cx="3979151" cy="3604971"/>
           </a:xfrm>
           <a:prstGeom prst="rect">
             <a:avLst/>
@@ -9851,77 +9399,10 @@
       </p:sp>
       <p:sp>
         <p:nvSpPr>
-          <p:cNvPr id="5" name="Rectangle 4">
-            <a:extLst>
-              <a:ext uri="{FF2B5EF4-FFF2-40B4-BE49-F238E27FC236}">
-                <a16:creationId xmlns:a16="http://schemas.microsoft.com/office/drawing/2014/main" id="{34FA61B9-A0A2-E24A-8395-E82782785E9D}"/>
-              </a:ext>
-            </a:extLst>
-          </p:cNvPr>
-          <p:cNvSpPr/>
-          <p:nvPr/>
-        </p:nvSpPr>
-        <p:spPr>
-          <a:xfrm>
-            <a:off x="5500688" y="2055218"/>
-            <a:ext cx="4600575" cy="2545358"/>
-          </a:xfrm>
-          <a:prstGeom prst="rect">
-            <a:avLst/>
-          </a:prstGeom>
-          <a:noFill/>
-          <a:ln w="95250">
-            <a:solidFill>
-              <a:schemeClr val="tx1"/>
-            </a:solidFill>
-          </a:ln>
-        </p:spPr>
-        <p:style>
-          <a:lnRef idx="2">
-            <a:schemeClr val="accent6"/>
-          </a:lnRef>
-          <a:fillRef idx="1">
-            <a:schemeClr val="lt1"/>
-          </a:fillRef>
-          <a:effectRef idx="0">
-            <a:schemeClr val="accent6"/>
-          </a:effectRef>
-          <a:fontRef idx="minor">
-            <a:schemeClr val="dk1"/>
-          </a:fontRef>
-        </p:style>
-        <p:txBody>
-          <a:bodyPr rot="0" spcFirstLastPara="0" vertOverflow="overflow" horzOverflow="overflow" vert="horz" wrap="square" lIns="91440" tIns="45720" rIns="91440" bIns="45720" numCol="1" spcCol="0" rtlCol="0" fromWordArt="0" anchor="ctr" anchorCtr="0" forceAA="0" compatLnSpc="1">
-            <a:prstTxWarp prst="textNoShape">
-              <a:avLst/>
-            </a:prstTxWarp>
-            <a:noAutofit/>
-          </a:bodyPr>
-          <a:lstStyle/>
-          <a:p>
-            <a:pPr algn="ctr"/>
-            <a:endParaRPr lang="en-US">
-              <a:ln w="0"/>
-              <a:solidFill>
-                <a:schemeClr val="tx1"/>
-              </a:solidFill>
-              <a:effectLst>
-                <a:outerShdw blurRad="38100" dist="19050" dir="2700000" algn="tl" rotWithShape="0">
-                  <a:schemeClr val="dk1">
-                    <a:alpha val="40000"/>
-                  </a:schemeClr>
-                </a:outerShdw>
-              </a:effectLst>
-            </a:endParaRPr>
-          </a:p>
-        </p:txBody>
-      </p:sp>
-      <p:sp>
-        <p:nvSpPr>
-          <p:cNvPr id="6" name="TextBox 5">
-            <a:extLst>
-              <a:ext uri="{FF2B5EF4-FFF2-40B4-BE49-F238E27FC236}">
-                <a16:creationId xmlns:a16="http://schemas.microsoft.com/office/drawing/2014/main" id="{1214D859-9DB8-344A-BDB8-0F5D2DACD98E}"/>
+          <p:cNvPr id="5" name="TextBox 4">
+            <a:extLst>
+              <a:ext uri="{FF2B5EF4-FFF2-40B4-BE49-F238E27FC236}">
+                <a16:creationId xmlns:a16="http://schemas.microsoft.com/office/drawing/2014/main" id="{8A33B77F-0867-A74E-9BEB-CE025A157BDA}"/>
               </a:ext>
             </a:extLst>
           </p:cNvPr>
@@ -9930,8 +9411,8 @@
         </p:nvSpPr>
         <p:spPr>
           <a:xfrm>
-            <a:off x="6582283" y="3163578"/>
-            <a:ext cx="2130711" cy="369332"/>
+            <a:off x="9607191" y="2928938"/>
+            <a:ext cx="915635" cy="369332"/>
           </a:xfrm>
           <a:prstGeom prst="rect">
             <a:avLst/>
@@ -9946,17 +9427,262 @@
           <a:p>
             <a:r>
               <a:rPr lang="en-US" dirty="0"/>
-              <a:t>PANTALLA VISIBLE</a:t>
+              <a:t>R, G, B</a:t>
+            </a:r>
+          </a:p>
+        </p:txBody>
+      </p:sp>
+      <p:sp>
+        <p:nvSpPr>
+          <p:cNvPr id="6" name="TextBox 5">
+            <a:extLst>
+              <a:ext uri="{FF2B5EF4-FFF2-40B4-BE49-F238E27FC236}">
+                <a16:creationId xmlns:a16="http://schemas.microsoft.com/office/drawing/2014/main" id="{2B08A48F-3A93-0A42-9D74-71A390C2568B}"/>
+              </a:ext>
+            </a:extLst>
+          </p:cNvPr>
+          <p:cNvSpPr txBox="1"/>
+          <p:nvPr/>
+        </p:nvSpPr>
+        <p:spPr>
+          <a:xfrm>
+            <a:off x="6585026" y="2744272"/>
+            <a:ext cx="615874" cy="369332"/>
+          </a:xfrm>
+          <a:prstGeom prst="rect">
+            <a:avLst/>
+          </a:prstGeom>
+          <a:noFill/>
+        </p:spPr>
+        <p:txBody>
+          <a:bodyPr wrap="none" rtlCol="0">
+            <a:spAutoFit/>
+          </a:bodyPr>
+          <a:lstStyle/>
+          <a:p>
+            <a:r>
+              <a:rPr lang="en-US" dirty="0"/>
+              <a:t>CLK</a:t>
+            </a:r>
+          </a:p>
+        </p:txBody>
+      </p:sp>
+      <p:sp>
+        <p:nvSpPr>
+          <p:cNvPr id="7" name="TextBox 6">
+            <a:extLst>
+              <a:ext uri="{FF2B5EF4-FFF2-40B4-BE49-F238E27FC236}">
+                <a16:creationId xmlns:a16="http://schemas.microsoft.com/office/drawing/2014/main" id="{D4B8969E-63A9-4741-9B89-33BBC2D547C5}"/>
+              </a:ext>
+            </a:extLst>
+          </p:cNvPr>
+          <p:cNvSpPr txBox="1"/>
+          <p:nvPr/>
+        </p:nvSpPr>
+        <p:spPr>
+          <a:xfrm>
+            <a:off x="6585026" y="3244334"/>
+            <a:ext cx="819455" cy="369332"/>
+          </a:xfrm>
+          <a:prstGeom prst="rect">
+            <a:avLst/>
+          </a:prstGeom>
+          <a:noFill/>
+        </p:spPr>
+        <p:txBody>
+          <a:bodyPr wrap="none" rtlCol="0">
+            <a:spAutoFit/>
+          </a:bodyPr>
+          <a:lstStyle/>
+          <a:p>
+            <a:r>
+              <a:rPr lang="en-US" dirty="0"/>
+              <a:t>WRITE</a:t>
+            </a:r>
+          </a:p>
+        </p:txBody>
+      </p:sp>
+      <p:sp>
+        <p:nvSpPr>
+          <p:cNvPr id="8" name="TextBox 7">
+            <a:extLst>
+              <a:ext uri="{FF2B5EF4-FFF2-40B4-BE49-F238E27FC236}">
+                <a16:creationId xmlns:a16="http://schemas.microsoft.com/office/drawing/2014/main" id="{767F5AAF-3EFE-0A45-8AD2-1B73C1D72213}"/>
+              </a:ext>
+            </a:extLst>
+          </p:cNvPr>
+          <p:cNvSpPr txBox="1"/>
+          <p:nvPr/>
+        </p:nvSpPr>
+        <p:spPr>
+          <a:xfrm>
+            <a:off x="6585026" y="3742253"/>
+            <a:ext cx="1745991" cy="369332"/>
+          </a:xfrm>
+          <a:prstGeom prst="rect">
+            <a:avLst/>
+          </a:prstGeom>
+          <a:noFill/>
+        </p:spPr>
+        <p:txBody>
+          <a:bodyPr wrap="none" rtlCol="0">
+            <a:spAutoFit/>
+          </a:bodyPr>
+          <a:lstStyle/>
+          <a:p>
+            <a:r>
+              <a:rPr lang="en-US" dirty="0"/>
+              <a:t>CONTADOR H</a:t>
+            </a:r>
+          </a:p>
+        </p:txBody>
+      </p:sp>
+      <p:sp>
+        <p:nvSpPr>
+          <p:cNvPr id="9" name="TextBox 8">
+            <a:extLst>
+              <a:ext uri="{FF2B5EF4-FFF2-40B4-BE49-F238E27FC236}">
+                <a16:creationId xmlns:a16="http://schemas.microsoft.com/office/drawing/2014/main" id="{34CF5931-475E-6742-9EA8-46550B6A613C}"/>
+              </a:ext>
+            </a:extLst>
+          </p:cNvPr>
+          <p:cNvSpPr txBox="1"/>
+          <p:nvPr/>
+        </p:nvSpPr>
+        <p:spPr>
+          <a:xfrm>
+            <a:off x="6585026" y="4274711"/>
+            <a:ext cx="1750800" cy="369332"/>
+          </a:xfrm>
+          <a:prstGeom prst="rect">
+            <a:avLst/>
+          </a:prstGeom>
+          <a:noFill/>
+        </p:spPr>
+        <p:txBody>
+          <a:bodyPr wrap="none" rtlCol="0">
+            <a:spAutoFit/>
+          </a:bodyPr>
+          <a:lstStyle/>
+          <a:p>
+            <a:r>
+              <a:rPr lang="en-US" dirty="0"/>
+              <a:t>CONTADOR V</a:t>
+            </a:r>
+          </a:p>
+        </p:txBody>
+      </p:sp>
+      <p:sp>
+        <p:nvSpPr>
+          <p:cNvPr id="10" name="TextBox 9">
+            <a:extLst>
+              <a:ext uri="{FF2B5EF4-FFF2-40B4-BE49-F238E27FC236}">
+                <a16:creationId xmlns:a16="http://schemas.microsoft.com/office/drawing/2014/main" id="{CCD82E58-1797-9C4C-8F22-1EF6947138AB}"/>
+              </a:ext>
+            </a:extLst>
+          </p:cNvPr>
+          <p:cNvSpPr txBox="1"/>
+          <p:nvPr/>
+        </p:nvSpPr>
+        <p:spPr>
+          <a:xfrm>
+            <a:off x="6585026" y="4814837"/>
+            <a:ext cx="1319592" cy="369332"/>
+          </a:xfrm>
+          <a:prstGeom prst="rect">
+            <a:avLst/>
+          </a:prstGeom>
+          <a:noFill/>
+        </p:spPr>
+        <p:txBody>
+          <a:bodyPr wrap="none" rtlCol="0">
+            <a:spAutoFit/>
+          </a:bodyPr>
+          <a:lstStyle/>
+          <a:p>
+            <a:r>
+              <a:rPr lang="en-US" dirty="0"/>
+              <a:t>SEGUNDO</a:t>
+            </a:r>
+          </a:p>
+        </p:txBody>
+      </p:sp>
+      <p:sp>
+        <p:nvSpPr>
+          <p:cNvPr id="11" name="TextBox 10">
+            <a:extLst>
+              <a:ext uri="{FF2B5EF4-FFF2-40B4-BE49-F238E27FC236}">
+                <a16:creationId xmlns:a16="http://schemas.microsoft.com/office/drawing/2014/main" id="{44B59C0E-839A-6B48-8AE1-5E356D3095A1}"/>
+              </a:ext>
+            </a:extLst>
+          </p:cNvPr>
+          <p:cNvSpPr txBox="1"/>
+          <p:nvPr/>
+        </p:nvSpPr>
+        <p:spPr>
+          <a:xfrm>
+            <a:off x="6585026" y="5752870"/>
+            <a:ext cx="853119" cy="369332"/>
+          </a:xfrm>
+          <a:prstGeom prst="rect">
+            <a:avLst/>
+          </a:prstGeom>
+          <a:noFill/>
+        </p:spPr>
+        <p:txBody>
+          <a:bodyPr wrap="none" rtlCol="0">
+            <a:spAutoFit/>
+          </a:bodyPr>
+          <a:lstStyle/>
+          <a:p>
+            <a:r>
+              <a:rPr lang="en-US" dirty="0"/>
+              <a:t>HORA</a:t>
+            </a:r>
+          </a:p>
+        </p:txBody>
+      </p:sp>
+      <p:sp>
+        <p:nvSpPr>
+          <p:cNvPr id="12" name="TextBox 11">
+            <a:extLst>
+              <a:ext uri="{FF2B5EF4-FFF2-40B4-BE49-F238E27FC236}">
+                <a16:creationId xmlns:a16="http://schemas.microsoft.com/office/drawing/2014/main" id="{379E4F9A-F9B0-7246-AB11-6136EBB9D16F}"/>
+              </a:ext>
+            </a:extLst>
+          </p:cNvPr>
+          <p:cNvSpPr txBox="1"/>
+          <p:nvPr/>
+        </p:nvSpPr>
+        <p:spPr>
+          <a:xfrm>
+            <a:off x="6585026" y="5269566"/>
+            <a:ext cx="1069524" cy="369332"/>
+          </a:xfrm>
+          <a:prstGeom prst="rect">
+            <a:avLst/>
+          </a:prstGeom>
+          <a:noFill/>
+        </p:spPr>
+        <p:txBody>
+          <a:bodyPr wrap="none" rtlCol="0">
+            <a:spAutoFit/>
+          </a:bodyPr>
+          <a:lstStyle/>
+          <a:p>
+            <a:r>
+              <a:rPr lang="en-US" dirty="0"/>
+              <a:t>MINUTO</a:t>
             </a:r>
           </a:p>
         </p:txBody>
       </p:sp>
       <p:cxnSp>
         <p:nvCxnSpPr>
-          <p:cNvPr id="13" name="Elbow Connector 12">
-            <a:extLst>
-              <a:ext uri="{FF2B5EF4-FFF2-40B4-BE49-F238E27FC236}">
-                <a16:creationId xmlns:a16="http://schemas.microsoft.com/office/drawing/2014/main" id="{F883F479-2B1F-C04D-9948-CCB793CC7116}"/>
+          <p:cNvPr id="13" name="Straight Connector 12">
+            <a:extLst>
+              <a:ext uri="{FF2B5EF4-FFF2-40B4-BE49-F238E27FC236}">
+                <a16:creationId xmlns:a16="http://schemas.microsoft.com/office/drawing/2014/main" id="{B2476C71-E56A-9643-B28C-5E67E8F3A51B}"/>
               </a:ext>
             </a:extLst>
           </p:cNvPr>
@@ -9966,18 +9692,16 @@
           <p:nvPr/>
         </p:nvCxnSpPr>
         <p:spPr>
-          <a:xfrm rot="16200000" flipH="1">
-            <a:off x="4526308" y="5555443"/>
-            <a:ext cx="918021" cy="153975"/>
-          </a:xfrm>
-          <a:prstGeom prst="bentConnector3">
-            <a:avLst>
-              <a:gd name="adj1" fmla="val 50000"/>
-            </a:avLst>
-          </a:prstGeom>
-          <a:ln>
+          <a:xfrm>
+            <a:off x="5100638" y="2928938"/>
+            <a:ext cx="1484388" cy="0"/>
+          </a:xfrm>
+          <a:prstGeom prst="line">
+            <a:avLst/>
+          </a:prstGeom>
+          <a:ln w="15875">
             <a:solidFill>
-              <a:srgbClr val="00B050"/>
+              <a:schemeClr val="tx1"/>
             </a:solidFill>
           </a:ln>
         </p:spPr>
@@ -9998,10 +9722,10 @@
       </p:cxnSp>
       <p:cxnSp>
         <p:nvCxnSpPr>
-          <p:cNvPr id="25" name="Elbow Connector 24">
-            <a:extLst>
-              <a:ext uri="{FF2B5EF4-FFF2-40B4-BE49-F238E27FC236}">
-                <a16:creationId xmlns:a16="http://schemas.microsoft.com/office/drawing/2014/main" id="{2E5AF8C9-8AF9-A141-94F8-61CD3D821BFD}"/>
+          <p:cNvPr id="15" name="Straight Connector 14">
+            <a:extLst>
+              <a:ext uri="{FF2B5EF4-FFF2-40B4-BE49-F238E27FC236}">
+                <a16:creationId xmlns:a16="http://schemas.microsoft.com/office/drawing/2014/main" id="{313ACFBF-F309-354E-8A8D-342F70279B8F}"/>
               </a:ext>
             </a:extLst>
           </p:cNvPr>
@@ -10012,96 +9736,15 @@
         </p:nvCxnSpPr>
         <p:spPr>
           <a:xfrm>
-            <a:off x="11506200" y="2300287"/>
-            <a:ext cx="461961" cy="242887"/>
-          </a:xfrm>
-          <a:prstGeom prst="bentConnector3">
-            <a:avLst>
-              <a:gd name="adj1" fmla="val 50000"/>
-            </a:avLst>
-          </a:prstGeom>
-        </p:spPr>
-        <p:style>
-          <a:lnRef idx="1">
-            <a:schemeClr val="accent1"/>
-          </a:lnRef>
-          <a:fillRef idx="0">
-            <a:schemeClr val="accent1"/>
-          </a:fillRef>
-          <a:effectRef idx="0">
-            <a:schemeClr val="accent1"/>
-          </a:effectRef>
-          <a:fontRef idx="minor">
-            <a:schemeClr val="tx1"/>
-          </a:fontRef>
-        </p:style>
-      </p:cxnSp>
-      <p:sp>
-        <p:nvSpPr>
-          <p:cNvPr id="28" name="TextBox 27">
-            <a:extLst>
-              <a:ext uri="{FF2B5EF4-FFF2-40B4-BE49-F238E27FC236}">
-                <a16:creationId xmlns:a16="http://schemas.microsoft.com/office/drawing/2014/main" id="{2E85B5D2-E7AC-B64F-A2B5-CEE356048D2B}"/>
-              </a:ext>
-            </a:extLst>
-          </p:cNvPr>
-          <p:cNvSpPr txBox="1"/>
-          <p:nvPr/>
-        </p:nvSpPr>
-        <p:spPr>
-          <a:xfrm>
-            <a:off x="5743575" y="2173842"/>
-            <a:ext cx="1016625" cy="369332"/>
-          </a:xfrm>
-          <a:prstGeom prst="rect">
-            <a:avLst/>
-          </a:prstGeom>
-          <a:noFill/>
-        </p:spPr>
-        <p:txBody>
-          <a:bodyPr wrap="none" rtlCol="0">
-            <a:spAutoFit/>
-          </a:bodyPr>
-          <a:lstStyle/>
-          <a:p>
-            <a:r>
-              <a:rPr lang="en-US" dirty="0">
-                <a:solidFill>
-                  <a:srgbClr val="FF0000"/>
-                </a:solidFill>
-              </a:rPr>
-              <a:t>H SYNC</a:t>
-            </a:r>
-          </a:p>
-        </p:txBody>
-      </p:sp>
-      <p:cxnSp>
-        <p:nvCxnSpPr>
-          <p:cNvPr id="29" name="Elbow Connector 28">
-            <a:extLst>
-              <a:ext uri="{FF2B5EF4-FFF2-40B4-BE49-F238E27FC236}">
-                <a16:creationId xmlns:a16="http://schemas.microsoft.com/office/drawing/2014/main" id="{9EAAC452-B2EE-214B-BA69-09C20E7225D8}"/>
-              </a:ext>
-            </a:extLst>
-          </p:cNvPr>
-          <p:cNvCxnSpPr>
-            <a:cxnSpLocks/>
-          </p:cNvCxnSpPr>
-          <p:nvPr/>
-        </p:nvCxnSpPr>
-        <p:spPr>
-          <a:xfrm rot="5400000">
-            <a:off x="3356031" y="3467147"/>
-            <a:ext cx="3258574" cy="153974"/>
-          </a:xfrm>
-          <a:prstGeom prst="bentConnector3">
-            <a:avLst>
-              <a:gd name="adj1" fmla="val 95156"/>
-            </a:avLst>
-          </a:prstGeom>
-          <a:ln>
+            <a:off x="5100638" y="3429000"/>
+            <a:ext cx="1484388" cy="0"/>
+          </a:xfrm>
+          <a:prstGeom prst="line">
+            <a:avLst/>
+          </a:prstGeom>
+          <a:ln w="15875">
             <a:solidFill>
-              <a:srgbClr val="00B050"/>
+              <a:schemeClr val="tx1"/>
             </a:solidFill>
           </a:ln>
         </p:spPr>
@@ -10122,10 +9765,10 @@
       </p:cxnSp>
       <p:cxnSp>
         <p:nvCxnSpPr>
-          <p:cNvPr id="34" name="Elbow Connector 33">
-            <a:extLst>
-              <a:ext uri="{FF2B5EF4-FFF2-40B4-BE49-F238E27FC236}">
-                <a16:creationId xmlns:a16="http://schemas.microsoft.com/office/drawing/2014/main" id="{10F81614-2C6F-6741-8C5E-212B0551BF13}"/>
+          <p:cNvPr id="16" name="Straight Connector 15">
+            <a:extLst>
+              <a:ext uri="{FF2B5EF4-FFF2-40B4-BE49-F238E27FC236}">
+                <a16:creationId xmlns:a16="http://schemas.microsoft.com/office/drawing/2014/main" id="{CCDECCBE-ABD6-2D44-A605-AE594BDD785A}"/>
               </a:ext>
             </a:extLst>
           </p:cNvPr>
@@ -10135,15 +9778,18 @@
           <p:nvPr/>
         </p:nvCxnSpPr>
         <p:spPr>
-          <a:xfrm flipV="1">
-            <a:off x="5500688" y="2300288"/>
-            <a:ext cx="6005512" cy="242888"/>
-          </a:xfrm>
-          <a:prstGeom prst="bentConnector3">
-            <a:avLst>
-              <a:gd name="adj1" fmla="val 86400"/>
-            </a:avLst>
-          </a:prstGeom>
+          <a:xfrm>
+            <a:off x="10522826" y="3113604"/>
+            <a:ext cx="1484388" cy="0"/>
+          </a:xfrm>
+          <a:prstGeom prst="line">
+            <a:avLst/>
+          </a:prstGeom>
+          <a:ln w="15875">
+            <a:solidFill>
+              <a:schemeClr val="tx1"/>
+            </a:solidFill>
+          </a:ln>
         </p:spPr>
         <p:style>
           <a:lnRef idx="1">
@@ -10160,84 +9806,225 @@
           </a:fontRef>
         </p:style>
       </p:cxnSp>
-      <p:sp>
-        <p:nvSpPr>
-          <p:cNvPr id="42" name="TextBox 41">
-            <a:extLst>
-              <a:ext uri="{FF2B5EF4-FFF2-40B4-BE49-F238E27FC236}">
-                <a16:creationId xmlns:a16="http://schemas.microsoft.com/office/drawing/2014/main" id="{BAA09D59-62E5-7A4E-8B9E-E2EE1588D0A0}"/>
-              </a:ext>
-            </a:extLst>
-          </p:cNvPr>
-          <p:cNvSpPr txBox="1"/>
-          <p:nvPr/>
-        </p:nvSpPr>
-        <p:spPr>
-          <a:xfrm>
-            <a:off x="3786088" y="5611673"/>
-            <a:ext cx="1021433" cy="369332"/>
-          </a:xfrm>
-          <a:prstGeom prst="rect">
-            <a:avLst/>
-          </a:prstGeom>
-          <a:noFill/>
-        </p:spPr>
-        <p:txBody>
-          <a:bodyPr wrap="none" rtlCol="0">
-            <a:spAutoFit/>
-          </a:bodyPr>
-          <a:lstStyle/>
-          <a:p>
-            <a:r>
-              <a:rPr lang="en-US" dirty="0">
-                <a:solidFill>
-                  <a:srgbClr val="00B050"/>
-                </a:solidFill>
-              </a:rPr>
-              <a:t>V SYNC</a:t>
-            </a:r>
-          </a:p>
-        </p:txBody>
-      </p:sp>
-      <p:sp>
-        <p:nvSpPr>
-          <p:cNvPr id="43" name="TextBox 42">
-            <a:extLst>
-              <a:ext uri="{FF2B5EF4-FFF2-40B4-BE49-F238E27FC236}">
-                <a16:creationId xmlns:a16="http://schemas.microsoft.com/office/drawing/2014/main" id="{B7FC7927-9222-5342-A624-34A7383E0657}"/>
-              </a:ext>
-            </a:extLst>
-          </p:cNvPr>
-          <p:cNvSpPr txBox="1"/>
-          <p:nvPr/>
-        </p:nvSpPr>
-        <p:spPr>
-          <a:xfrm>
-            <a:off x="8129587" y="5179188"/>
-            <a:ext cx="1702710" cy="369332"/>
-          </a:xfrm>
-          <a:prstGeom prst="rect">
-            <a:avLst/>
-          </a:prstGeom>
-          <a:noFill/>
-        </p:spPr>
-        <p:txBody>
-          <a:bodyPr wrap="none" rtlCol="0">
-            <a:spAutoFit/>
-          </a:bodyPr>
-          <a:lstStyle/>
-          <a:p>
-            <a:r>
-              <a:rPr lang="en-US" dirty="0"/>
-              <a:t>BLANK SPACE</a:t>
-            </a:r>
-          </a:p>
-        </p:txBody>
-      </p:sp>
+      <p:cxnSp>
+        <p:nvCxnSpPr>
+          <p:cNvPr id="17" name="Straight Connector 16">
+            <a:extLst>
+              <a:ext uri="{FF2B5EF4-FFF2-40B4-BE49-F238E27FC236}">
+                <a16:creationId xmlns:a16="http://schemas.microsoft.com/office/drawing/2014/main" id="{64696274-4E5E-EB47-9B7E-DF093FBF4907}"/>
+              </a:ext>
+            </a:extLst>
+          </p:cNvPr>
+          <p:cNvCxnSpPr>
+            <a:cxnSpLocks/>
+          </p:cNvCxnSpPr>
+          <p:nvPr/>
+        </p:nvCxnSpPr>
+        <p:spPr>
+          <a:xfrm>
+            <a:off x="5100638" y="3954828"/>
+            <a:ext cx="1500854" cy="0"/>
+          </a:xfrm>
+          <a:prstGeom prst="line">
+            <a:avLst/>
+          </a:prstGeom>
+          <a:ln w="57150">
+            <a:solidFill>
+              <a:schemeClr val="tx1"/>
+            </a:solidFill>
+          </a:ln>
+        </p:spPr>
+        <p:style>
+          <a:lnRef idx="1">
+            <a:schemeClr val="accent1"/>
+          </a:lnRef>
+          <a:fillRef idx="0">
+            <a:schemeClr val="accent1"/>
+          </a:fillRef>
+          <a:effectRef idx="0">
+            <a:schemeClr val="accent1"/>
+          </a:effectRef>
+          <a:fontRef idx="minor">
+            <a:schemeClr val="tx1"/>
+          </a:fontRef>
+        </p:style>
+      </p:cxnSp>
+      <p:cxnSp>
+        <p:nvCxnSpPr>
+          <p:cNvPr id="19" name="Straight Connector 18">
+            <a:extLst>
+              <a:ext uri="{FF2B5EF4-FFF2-40B4-BE49-F238E27FC236}">
+                <a16:creationId xmlns:a16="http://schemas.microsoft.com/office/drawing/2014/main" id="{9CD36880-6350-0F49-BE36-93B358790086}"/>
+              </a:ext>
+            </a:extLst>
+          </p:cNvPr>
+          <p:cNvCxnSpPr>
+            <a:cxnSpLocks/>
+          </p:cNvCxnSpPr>
+          <p:nvPr/>
+        </p:nvCxnSpPr>
+        <p:spPr>
+          <a:xfrm>
+            <a:off x="5042821" y="4464415"/>
+            <a:ext cx="1500854" cy="0"/>
+          </a:xfrm>
+          <a:prstGeom prst="line">
+            <a:avLst/>
+          </a:prstGeom>
+          <a:ln w="57150">
+            <a:solidFill>
+              <a:schemeClr val="tx1"/>
+            </a:solidFill>
+          </a:ln>
+        </p:spPr>
+        <p:style>
+          <a:lnRef idx="1">
+            <a:schemeClr val="accent1"/>
+          </a:lnRef>
+          <a:fillRef idx="0">
+            <a:schemeClr val="accent1"/>
+          </a:fillRef>
+          <a:effectRef idx="0">
+            <a:schemeClr val="accent1"/>
+          </a:effectRef>
+          <a:fontRef idx="minor">
+            <a:schemeClr val="tx1"/>
+          </a:fontRef>
+        </p:style>
+      </p:cxnSp>
+      <p:cxnSp>
+        <p:nvCxnSpPr>
+          <p:cNvPr id="20" name="Straight Connector 19">
+            <a:extLst>
+              <a:ext uri="{FF2B5EF4-FFF2-40B4-BE49-F238E27FC236}">
+                <a16:creationId xmlns:a16="http://schemas.microsoft.com/office/drawing/2014/main" id="{F97D5F53-065B-2D49-9A09-7515BFCBCFE1}"/>
+              </a:ext>
+            </a:extLst>
+          </p:cNvPr>
+          <p:cNvCxnSpPr>
+            <a:cxnSpLocks/>
+          </p:cNvCxnSpPr>
+          <p:nvPr/>
+        </p:nvCxnSpPr>
+        <p:spPr>
+          <a:xfrm>
+            <a:off x="5084172" y="4964478"/>
+            <a:ext cx="1500854" cy="0"/>
+          </a:xfrm>
+          <a:prstGeom prst="line">
+            <a:avLst/>
+          </a:prstGeom>
+          <a:ln w="57150">
+            <a:solidFill>
+              <a:schemeClr val="tx1"/>
+            </a:solidFill>
+          </a:ln>
+        </p:spPr>
+        <p:style>
+          <a:lnRef idx="1">
+            <a:schemeClr val="accent1"/>
+          </a:lnRef>
+          <a:fillRef idx="0">
+            <a:schemeClr val="accent1"/>
+          </a:fillRef>
+          <a:effectRef idx="0">
+            <a:schemeClr val="accent1"/>
+          </a:effectRef>
+          <a:fontRef idx="minor">
+            <a:schemeClr val="tx1"/>
+          </a:fontRef>
+        </p:style>
+      </p:cxnSp>
+      <p:cxnSp>
+        <p:nvCxnSpPr>
+          <p:cNvPr id="21" name="Straight Connector 20">
+            <a:extLst>
+              <a:ext uri="{FF2B5EF4-FFF2-40B4-BE49-F238E27FC236}">
+                <a16:creationId xmlns:a16="http://schemas.microsoft.com/office/drawing/2014/main" id="{63FA5AA7-E842-9A4E-8547-EB5D539050D9}"/>
+              </a:ext>
+            </a:extLst>
+          </p:cNvPr>
+          <p:cNvCxnSpPr>
+            <a:cxnSpLocks/>
+          </p:cNvCxnSpPr>
+          <p:nvPr/>
+        </p:nvCxnSpPr>
+        <p:spPr>
+          <a:xfrm>
+            <a:off x="5084172" y="5464540"/>
+            <a:ext cx="1500854" cy="0"/>
+          </a:xfrm>
+          <a:prstGeom prst="line">
+            <a:avLst/>
+          </a:prstGeom>
+          <a:ln w="57150">
+            <a:solidFill>
+              <a:schemeClr val="tx1"/>
+            </a:solidFill>
+          </a:ln>
+        </p:spPr>
+        <p:style>
+          <a:lnRef idx="1">
+            <a:schemeClr val="accent1"/>
+          </a:lnRef>
+          <a:fillRef idx="0">
+            <a:schemeClr val="accent1"/>
+          </a:fillRef>
+          <a:effectRef idx="0">
+            <a:schemeClr val="accent1"/>
+          </a:effectRef>
+          <a:fontRef idx="minor">
+            <a:schemeClr val="tx1"/>
+          </a:fontRef>
+        </p:style>
+      </p:cxnSp>
+      <p:cxnSp>
+        <p:nvCxnSpPr>
+          <p:cNvPr id="22" name="Straight Connector 21">
+            <a:extLst>
+              <a:ext uri="{FF2B5EF4-FFF2-40B4-BE49-F238E27FC236}">
+                <a16:creationId xmlns:a16="http://schemas.microsoft.com/office/drawing/2014/main" id="{04F51865-C901-FC4E-8F73-DE4E99EEB46B}"/>
+              </a:ext>
+            </a:extLst>
+          </p:cNvPr>
+          <p:cNvCxnSpPr>
+            <a:cxnSpLocks/>
+          </p:cNvCxnSpPr>
+          <p:nvPr/>
+        </p:nvCxnSpPr>
+        <p:spPr>
+          <a:xfrm>
+            <a:off x="5042821" y="5964603"/>
+            <a:ext cx="1500854" cy="0"/>
+          </a:xfrm>
+          <a:prstGeom prst="line">
+            <a:avLst/>
+          </a:prstGeom>
+          <a:ln w="57150">
+            <a:solidFill>
+              <a:schemeClr val="tx1"/>
+            </a:solidFill>
+          </a:ln>
+        </p:spPr>
+        <p:style>
+          <a:lnRef idx="1">
+            <a:schemeClr val="accent1"/>
+          </a:lnRef>
+          <a:fillRef idx="0">
+            <a:schemeClr val="accent1"/>
+          </a:fillRef>
+          <a:effectRef idx="0">
+            <a:schemeClr val="accent1"/>
+          </a:effectRef>
+          <a:fontRef idx="minor">
+            <a:schemeClr val="tx1"/>
+          </a:fontRef>
+        </p:style>
+      </p:cxnSp>
     </p:spTree>
     <p:extLst>
       <p:ext uri="{BB962C8B-B14F-4D97-AF65-F5344CB8AC3E}">
-        <p14:creationId xmlns:p14="http://schemas.microsoft.com/office/powerpoint/2010/main" val="3722409463"/>
+        <p14:creationId xmlns:p14="http://schemas.microsoft.com/office/powerpoint/2010/main" val="203052358"/>
       </p:ext>
     </p:extLst>
   </p:cSld>
@@ -10269,7 +10056,7 @@
           <p:cNvPr id="2" name="Title 1">
             <a:extLst>
               <a:ext uri="{FF2B5EF4-FFF2-40B4-BE49-F238E27FC236}">
-                <a16:creationId xmlns:a16="http://schemas.microsoft.com/office/drawing/2014/main" id="{8E86D019-24A8-9440-9D66-B6A938C270D8}"/>
+                <a16:creationId xmlns:a16="http://schemas.microsoft.com/office/drawing/2014/main" id="{13916C14-80D7-8F4A-8612-199961CA6EDE}"/>
               </a:ext>
             </a:extLst>
           </p:cNvPr>
@@ -10287,137 +10074,12 @@
           <a:p>
             <a:r>
               <a:rPr lang="en-US" dirty="0"/>
-              <a:t>CONTROLADOR RGB</a:t>
-            </a:r>
-          </a:p>
-        </p:txBody>
-      </p:sp>
-      <p:sp>
-        <p:nvSpPr>
-          <p:cNvPr id="3" name="Content Placeholder 2">
-            <a:extLst>
-              <a:ext uri="{FF2B5EF4-FFF2-40B4-BE49-F238E27FC236}">
-                <a16:creationId xmlns:a16="http://schemas.microsoft.com/office/drawing/2014/main" id="{C62D7E75-2E7A-EE49-99AE-2147F0BC9B41}"/>
-              </a:ext>
-            </a:extLst>
-          </p:cNvPr>
-          <p:cNvSpPr>
-            <a:spLocks noGrp="1"/>
-          </p:cNvSpPr>
-          <p:nvPr>
-            <p:ph idx="1"/>
-          </p:nvPr>
-        </p:nvSpPr>
-        <p:spPr>
-          <a:xfrm>
-            <a:off x="685800" y="2566035"/>
-            <a:ext cx="4100513" cy="4024125"/>
-          </a:xfrm>
-        </p:spPr>
-        <p:txBody>
-          <a:bodyPr/>
-          <a:lstStyle/>
-          <a:p>
-            <a:r>
-              <a:rPr lang="en-US" dirty="0" err="1"/>
-              <a:t>Determina</a:t>
-            </a:r>
-            <a:r>
-              <a:rPr lang="en-US" dirty="0"/>
-              <a:t> </a:t>
-            </a:r>
-            <a:r>
-              <a:rPr lang="en-US" dirty="0" err="1"/>
-              <a:t>si</a:t>
-            </a:r>
-            <a:r>
-              <a:rPr lang="en-US" dirty="0"/>
-              <a:t> </a:t>
-            </a:r>
-            <a:r>
-              <a:rPr lang="en-US" dirty="0" err="1"/>
-              <a:t>en</a:t>
-            </a:r>
-            <a:r>
-              <a:rPr lang="en-US" dirty="0"/>
-              <a:t> un pixel dado </a:t>
-            </a:r>
-            <a:r>
-              <a:rPr lang="en-US" dirty="0" err="1"/>
-              <a:t>dentro</a:t>
-            </a:r>
-            <a:r>
-              <a:rPr lang="en-US" dirty="0"/>
-              <a:t> de la zona de </a:t>
+              <a:t>Zona de </a:t>
             </a:r>
             <a:r>
               <a:rPr lang="en-US" dirty="0" err="1"/>
               <a:t>escritura</a:t>
             </a:r>
-            <a:r>
-              <a:rPr lang="en-US" dirty="0"/>
-              <a:t>, </a:t>
-            </a:r>
-            <a:r>
-              <a:rPr lang="en-US" dirty="0" err="1"/>
-              <a:t>este</a:t>
-            </a:r>
-            <a:r>
-              <a:rPr lang="en-US" dirty="0"/>
-              <a:t> </a:t>
-            </a:r>
-            <a:r>
-              <a:rPr lang="en-US" dirty="0" err="1"/>
-              <a:t>esta</a:t>
-            </a:r>
-            <a:r>
-              <a:rPr lang="en-US" dirty="0"/>
-              <a:t> </a:t>
-            </a:r>
-            <a:r>
-              <a:rPr lang="en-US" dirty="0" err="1"/>
-              <a:t>prendido</a:t>
-            </a:r>
-            <a:r>
-              <a:rPr lang="en-US" dirty="0"/>
-              <a:t> o </a:t>
-            </a:r>
-            <a:r>
-              <a:rPr lang="en-US" dirty="0" err="1"/>
-              <a:t>apagado</a:t>
-            </a:r>
-            <a:r>
-              <a:rPr lang="en-US" dirty="0"/>
-              <a:t> para </a:t>
-            </a:r>
-            <a:r>
-              <a:rPr lang="en-US" dirty="0" err="1"/>
-              <a:t>terminar</a:t>
-            </a:r>
-            <a:r>
-              <a:rPr lang="en-US" dirty="0"/>
-              <a:t> </a:t>
-            </a:r>
-            <a:r>
-              <a:rPr lang="en-US" dirty="0" err="1"/>
-              <a:t>formando</a:t>
-            </a:r>
-            <a:r>
-              <a:rPr lang="en-US" dirty="0"/>
-              <a:t> </a:t>
-            </a:r>
-            <a:r>
-              <a:rPr lang="en-US" dirty="0" err="1"/>
-              <a:t>los</a:t>
-            </a:r>
-            <a:r>
-              <a:rPr lang="en-US" dirty="0"/>
-              <a:t> </a:t>
-            </a:r>
-            <a:r>
-              <a:rPr lang="en-US" dirty="0" err="1"/>
-              <a:t>numeros</a:t>
-            </a:r>
             <a:endParaRPr lang="en-US" dirty="0"/>
           </a:p>
         </p:txBody>
@@ -10427,7 +10089,7 @@
           <p:cNvPr id="4" name="Rectangle 3">
             <a:extLst>
               <a:ext uri="{FF2B5EF4-FFF2-40B4-BE49-F238E27FC236}">
-                <a16:creationId xmlns:a16="http://schemas.microsoft.com/office/drawing/2014/main" id="{DB09495D-51F6-BA4B-BD71-9AE1D7228B69}"/>
+                <a16:creationId xmlns:a16="http://schemas.microsoft.com/office/drawing/2014/main" id="{D2DDA2FB-86C4-3840-A4B7-9EB040E4443D}"/>
               </a:ext>
             </a:extLst>
           </p:cNvPr>
@@ -10436,8 +10098,8 @@
         </p:nvSpPr>
         <p:spPr>
           <a:xfrm>
-            <a:off x="6543675" y="2488656"/>
-            <a:ext cx="3979151" cy="3604971"/>
+            <a:off x="2102069" y="2057401"/>
+            <a:ext cx="7746124" cy="3771899"/>
           </a:xfrm>
           <a:prstGeom prst="rect">
             <a:avLst/>
@@ -10491,311 +10153,95 @@
       </p:sp>
       <p:sp>
         <p:nvSpPr>
-          <p:cNvPr id="5" name="TextBox 4">
-            <a:extLst>
-              <a:ext uri="{FF2B5EF4-FFF2-40B4-BE49-F238E27FC236}">
-                <a16:creationId xmlns:a16="http://schemas.microsoft.com/office/drawing/2014/main" id="{8A33B77F-0867-A74E-9BEB-CE025A157BDA}"/>
-              </a:ext>
-            </a:extLst>
-          </p:cNvPr>
-          <p:cNvSpPr txBox="1"/>
-          <p:nvPr/>
-        </p:nvSpPr>
-        <p:spPr>
-          <a:xfrm>
-            <a:off x="9607191" y="2928938"/>
-            <a:ext cx="915635" cy="369332"/>
+          <p:cNvPr id="5" name="Rectangle 4">
+            <a:extLst>
+              <a:ext uri="{FF2B5EF4-FFF2-40B4-BE49-F238E27FC236}">
+                <a16:creationId xmlns:a16="http://schemas.microsoft.com/office/drawing/2014/main" id="{A537743B-1554-7F47-8777-33020537CA6B}"/>
+              </a:ext>
+            </a:extLst>
+          </p:cNvPr>
+          <p:cNvSpPr/>
+          <p:nvPr/>
+        </p:nvSpPr>
+        <p:spPr>
+          <a:xfrm>
+            <a:off x="3103343" y="3213276"/>
+            <a:ext cx="5743575" cy="1460148"/>
           </a:xfrm>
           <a:prstGeom prst="rect">
             <a:avLst/>
           </a:prstGeom>
           <a:noFill/>
-        </p:spPr>
-        <p:txBody>
-          <a:bodyPr wrap="none" rtlCol="0">
-            <a:spAutoFit/>
-          </a:bodyPr>
-          <a:lstStyle/>
-          <a:p>
-            <a:r>
-              <a:rPr lang="en-US" dirty="0"/>
-              <a:t>R, G, B</a:t>
-            </a:r>
-          </a:p>
-        </p:txBody>
-      </p:sp>
-      <p:sp>
-        <p:nvSpPr>
-          <p:cNvPr id="6" name="TextBox 5">
-            <a:extLst>
-              <a:ext uri="{FF2B5EF4-FFF2-40B4-BE49-F238E27FC236}">
-                <a16:creationId xmlns:a16="http://schemas.microsoft.com/office/drawing/2014/main" id="{2B08A48F-3A93-0A42-9D74-71A390C2568B}"/>
-              </a:ext>
-            </a:extLst>
-          </p:cNvPr>
-          <p:cNvSpPr txBox="1"/>
-          <p:nvPr/>
-        </p:nvSpPr>
-        <p:spPr>
-          <a:xfrm>
-            <a:off x="6585026" y="2744272"/>
-            <a:ext cx="615874" cy="369332"/>
-          </a:xfrm>
-          <a:prstGeom prst="rect">
-            <a:avLst/>
-          </a:prstGeom>
-          <a:noFill/>
-        </p:spPr>
-        <p:txBody>
-          <a:bodyPr wrap="none" rtlCol="0">
-            <a:spAutoFit/>
-          </a:bodyPr>
-          <a:lstStyle/>
-          <a:p>
-            <a:r>
-              <a:rPr lang="en-US" dirty="0"/>
-              <a:t>CLK</a:t>
-            </a:r>
-          </a:p>
-        </p:txBody>
-      </p:sp>
-      <p:sp>
-        <p:nvSpPr>
-          <p:cNvPr id="7" name="TextBox 6">
-            <a:extLst>
-              <a:ext uri="{FF2B5EF4-FFF2-40B4-BE49-F238E27FC236}">
-                <a16:creationId xmlns:a16="http://schemas.microsoft.com/office/drawing/2014/main" id="{D4B8969E-63A9-4741-9B89-33BBC2D547C5}"/>
-              </a:ext>
-            </a:extLst>
-          </p:cNvPr>
-          <p:cNvSpPr txBox="1"/>
-          <p:nvPr/>
-        </p:nvSpPr>
-        <p:spPr>
-          <a:xfrm>
-            <a:off x="6585026" y="3244334"/>
-            <a:ext cx="819455" cy="369332"/>
-          </a:xfrm>
-          <a:prstGeom prst="rect">
-            <a:avLst/>
-          </a:prstGeom>
-          <a:noFill/>
-        </p:spPr>
-        <p:txBody>
-          <a:bodyPr wrap="none" rtlCol="0">
-            <a:spAutoFit/>
-          </a:bodyPr>
-          <a:lstStyle/>
-          <a:p>
-            <a:r>
-              <a:rPr lang="en-US" dirty="0"/>
-              <a:t>WRITE</a:t>
-            </a:r>
-          </a:p>
-        </p:txBody>
-      </p:sp>
-      <p:sp>
-        <p:nvSpPr>
-          <p:cNvPr id="8" name="TextBox 7">
-            <a:extLst>
-              <a:ext uri="{FF2B5EF4-FFF2-40B4-BE49-F238E27FC236}">
-                <a16:creationId xmlns:a16="http://schemas.microsoft.com/office/drawing/2014/main" id="{767F5AAF-3EFE-0A45-8AD2-1B73C1D72213}"/>
-              </a:ext>
-            </a:extLst>
-          </p:cNvPr>
-          <p:cNvSpPr txBox="1"/>
-          <p:nvPr/>
-        </p:nvSpPr>
-        <p:spPr>
-          <a:xfrm>
-            <a:off x="6585026" y="3742253"/>
-            <a:ext cx="1745991" cy="369332"/>
-          </a:xfrm>
-          <a:prstGeom prst="rect">
-            <a:avLst/>
-          </a:prstGeom>
-          <a:noFill/>
-        </p:spPr>
-        <p:txBody>
-          <a:bodyPr wrap="none" rtlCol="0">
-            <a:spAutoFit/>
-          </a:bodyPr>
-          <a:lstStyle/>
-          <a:p>
-            <a:r>
-              <a:rPr lang="en-US" dirty="0"/>
-              <a:t>CONTADOR H</a:t>
-            </a:r>
-          </a:p>
-        </p:txBody>
-      </p:sp>
-      <p:sp>
-        <p:nvSpPr>
-          <p:cNvPr id="9" name="TextBox 8">
-            <a:extLst>
-              <a:ext uri="{FF2B5EF4-FFF2-40B4-BE49-F238E27FC236}">
-                <a16:creationId xmlns:a16="http://schemas.microsoft.com/office/drawing/2014/main" id="{34CF5931-475E-6742-9EA8-46550B6A613C}"/>
-              </a:ext>
-            </a:extLst>
-          </p:cNvPr>
-          <p:cNvSpPr txBox="1"/>
-          <p:nvPr/>
-        </p:nvSpPr>
-        <p:spPr>
-          <a:xfrm>
-            <a:off x="6585026" y="4274711"/>
-            <a:ext cx="1750800" cy="369332"/>
-          </a:xfrm>
-          <a:prstGeom prst="rect">
-            <a:avLst/>
-          </a:prstGeom>
-          <a:noFill/>
-        </p:spPr>
-        <p:txBody>
-          <a:bodyPr wrap="none" rtlCol="0">
-            <a:spAutoFit/>
-          </a:bodyPr>
-          <a:lstStyle/>
-          <a:p>
-            <a:r>
-              <a:rPr lang="en-US" dirty="0"/>
-              <a:t>CONTADOR V</a:t>
-            </a:r>
-          </a:p>
-        </p:txBody>
-      </p:sp>
-      <p:sp>
-        <p:nvSpPr>
-          <p:cNvPr id="10" name="TextBox 9">
-            <a:extLst>
-              <a:ext uri="{FF2B5EF4-FFF2-40B4-BE49-F238E27FC236}">
-                <a16:creationId xmlns:a16="http://schemas.microsoft.com/office/drawing/2014/main" id="{CCD82E58-1797-9C4C-8F22-1EF6947138AB}"/>
-              </a:ext>
-            </a:extLst>
-          </p:cNvPr>
-          <p:cNvSpPr txBox="1"/>
-          <p:nvPr/>
-        </p:nvSpPr>
-        <p:spPr>
-          <a:xfrm>
-            <a:off x="6585026" y="4814837"/>
-            <a:ext cx="1319592" cy="369332"/>
-          </a:xfrm>
-          <a:prstGeom prst="rect">
-            <a:avLst/>
-          </a:prstGeom>
-          <a:noFill/>
-        </p:spPr>
-        <p:txBody>
-          <a:bodyPr wrap="none" rtlCol="0">
-            <a:spAutoFit/>
-          </a:bodyPr>
-          <a:lstStyle/>
-          <a:p>
-            <a:r>
-              <a:rPr lang="en-US" dirty="0"/>
-              <a:t>SEGUNDO</a:t>
-            </a:r>
-          </a:p>
-        </p:txBody>
-      </p:sp>
-      <p:sp>
-        <p:nvSpPr>
-          <p:cNvPr id="11" name="TextBox 10">
-            <a:extLst>
-              <a:ext uri="{FF2B5EF4-FFF2-40B4-BE49-F238E27FC236}">
-                <a16:creationId xmlns:a16="http://schemas.microsoft.com/office/drawing/2014/main" id="{44B59C0E-839A-6B48-8AE1-5E356D3095A1}"/>
-              </a:ext>
-            </a:extLst>
-          </p:cNvPr>
-          <p:cNvSpPr txBox="1"/>
-          <p:nvPr/>
-        </p:nvSpPr>
-        <p:spPr>
-          <a:xfrm>
-            <a:off x="6585026" y="5752870"/>
-            <a:ext cx="853119" cy="369332"/>
-          </a:xfrm>
-          <a:prstGeom prst="rect">
-            <a:avLst/>
-          </a:prstGeom>
-          <a:noFill/>
-        </p:spPr>
-        <p:txBody>
-          <a:bodyPr wrap="none" rtlCol="0">
-            <a:spAutoFit/>
-          </a:bodyPr>
-          <a:lstStyle/>
-          <a:p>
-            <a:r>
-              <a:rPr lang="en-US" dirty="0"/>
-              <a:t>HORA</a:t>
-            </a:r>
-          </a:p>
-        </p:txBody>
-      </p:sp>
-      <p:sp>
-        <p:nvSpPr>
-          <p:cNvPr id="12" name="TextBox 11">
-            <a:extLst>
-              <a:ext uri="{FF2B5EF4-FFF2-40B4-BE49-F238E27FC236}">
-                <a16:creationId xmlns:a16="http://schemas.microsoft.com/office/drawing/2014/main" id="{379E4F9A-F9B0-7246-AB11-6136EBB9D16F}"/>
-              </a:ext>
-            </a:extLst>
-          </p:cNvPr>
-          <p:cNvSpPr txBox="1"/>
-          <p:nvPr/>
-        </p:nvSpPr>
-        <p:spPr>
-          <a:xfrm>
-            <a:off x="6585026" y="5269566"/>
-            <a:ext cx="1069524" cy="369332"/>
-          </a:xfrm>
-          <a:prstGeom prst="rect">
-            <a:avLst/>
-          </a:prstGeom>
-          <a:noFill/>
-        </p:spPr>
-        <p:txBody>
-          <a:bodyPr wrap="none" rtlCol="0">
-            <a:spAutoFit/>
-          </a:bodyPr>
-          <a:lstStyle/>
-          <a:p>
-            <a:r>
-              <a:rPr lang="en-US" dirty="0"/>
-              <a:t>MINUTO</a:t>
-            </a:r>
-          </a:p>
-        </p:txBody>
-      </p:sp>
-      <p:cxnSp>
-        <p:nvCxnSpPr>
-          <p:cNvPr id="13" name="Straight Connector 12">
-            <a:extLst>
-              <a:ext uri="{FF2B5EF4-FFF2-40B4-BE49-F238E27FC236}">
-                <a16:creationId xmlns:a16="http://schemas.microsoft.com/office/drawing/2014/main" id="{B2476C71-E56A-9643-B28C-5E67E8F3A51B}"/>
-              </a:ext>
-            </a:extLst>
-          </p:cNvPr>
-          <p:cNvCxnSpPr>
-            <a:cxnSpLocks/>
-          </p:cNvCxnSpPr>
-          <p:nvPr/>
-        </p:nvCxnSpPr>
-        <p:spPr>
-          <a:xfrm>
-            <a:off x="5100638" y="2928938"/>
-            <a:ext cx="1484388" cy="0"/>
-          </a:xfrm>
-          <a:prstGeom prst="line">
-            <a:avLst/>
-          </a:prstGeom>
-          <a:ln w="15875">
+          <a:ln w="25400">
             <a:solidFill>
               <a:schemeClr val="tx1"/>
             </a:solidFill>
           </a:ln>
+        </p:spPr>
+        <p:style>
+          <a:lnRef idx="2">
+            <a:schemeClr val="accent6"/>
+          </a:lnRef>
+          <a:fillRef idx="1">
+            <a:schemeClr val="lt1"/>
+          </a:fillRef>
+          <a:effectRef idx="0">
+            <a:schemeClr val="accent6"/>
+          </a:effectRef>
+          <a:fontRef idx="minor">
+            <a:schemeClr val="dk1"/>
+          </a:fontRef>
+        </p:style>
+        <p:txBody>
+          <a:bodyPr rot="0" spcFirstLastPara="0" vertOverflow="overflow" horzOverflow="overflow" vert="horz" wrap="square" lIns="91440" tIns="45720" rIns="91440" bIns="45720" numCol="1" spcCol="0" rtlCol="0" fromWordArt="0" anchor="ctr" anchorCtr="0" forceAA="0" compatLnSpc="1">
+            <a:prstTxWarp prst="textNoShape">
+              <a:avLst/>
+            </a:prstTxWarp>
+            <a:noAutofit/>
+          </a:bodyPr>
+          <a:lstStyle/>
+          <a:p>
+            <a:pPr algn="ctr"/>
+            <a:endParaRPr lang="en-US" dirty="0">
+              <a:ln w="0"/>
+              <a:solidFill>
+                <a:schemeClr val="tx1"/>
+              </a:solidFill>
+              <a:effectLst>
+                <a:outerShdw blurRad="38100" dist="19050" dir="2700000" algn="tl" rotWithShape="0">
+                  <a:schemeClr val="dk1">
+                    <a:alpha val="40000"/>
+                  </a:schemeClr>
+                </a:outerShdw>
+              </a:effectLst>
+            </a:endParaRPr>
+          </a:p>
+        </p:txBody>
+      </p:sp>
+      <p:sp>
+        <p:nvSpPr>
+          <p:cNvPr id="7" name="Right Brace 6">
+            <a:extLst>
+              <a:ext uri="{FF2B5EF4-FFF2-40B4-BE49-F238E27FC236}">
+                <a16:creationId xmlns:a16="http://schemas.microsoft.com/office/drawing/2014/main" id="{386DE292-BA98-EB43-A9F2-C8101A50D3D3}"/>
+              </a:ext>
+            </a:extLst>
+          </p:cNvPr>
+          <p:cNvSpPr/>
+          <p:nvPr/>
+        </p:nvSpPr>
+        <p:spPr>
+          <a:xfrm>
+            <a:off x="10056336" y="2057401"/>
+            <a:ext cx="804955" cy="3771899"/>
+          </a:xfrm>
+          <a:prstGeom prst="rightBrace">
+            <a:avLst>
+              <a:gd name="adj1" fmla="val 8333"/>
+              <a:gd name="adj2" fmla="val 50379"/>
+            </a:avLst>
+          </a:prstGeom>
+          <a:ln w="25400"/>
         </p:spPr>
         <p:style>
           <a:lnRef idx="1">
@@ -10811,34 +10257,74 @@
             <a:schemeClr val="tx1"/>
           </a:fontRef>
         </p:style>
-      </p:cxnSp>
-      <p:cxnSp>
-        <p:nvCxnSpPr>
-          <p:cNvPr id="15" name="Straight Connector 14">
-            <a:extLst>
-              <a:ext uri="{FF2B5EF4-FFF2-40B4-BE49-F238E27FC236}">
-                <a16:creationId xmlns:a16="http://schemas.microsoft.com/office/drawing/2014/main" id="{313ACFBF-F309-354E-8A8D-342F70279B8F}"/>
-              </a:ext>
-            </a:extLst>
-          </p:cNvPr>
-          <p:cNvCxnSpPr>
-            <a:cxnSpLocks/>
-          </p:cNvCxnSpPr>
-          <p:nvPr/>
-        </p:nvCxnSpPr>
-        <p:spPr>
-          <a:xfrm>
-            <a:off x="5100638" y="3429000"/>
-            <a:ext cx="1484388" cy="0"/>
-          </a:xfrm>
-          <a:prstGeom prst="line">
-            <a:avLst/>
-          </a:prstGeom>
-          <a:ln w="15875">
-            <a:solidFill>
-              <a:schemeClr val="tx1"/>
-            </a:solidFill>
-          </a:ln>
+        <p:txBody>
+          <a:bodyPr rtlCol="0" anchor="ctr"/>
+          <a:lstStyle/>
+          <a:p>
+            <a:pPr algn="ctr"/>
+            <a:endParaRPr lang="en-US"/>
+          </a:p>
+        </p:txBody>
+      </p:sp>
+      <p:sp>
+        <p:nvSpPr>
+          <p:cNvPr id="8" name="TextBox 7">
+            <a:extLst>
+              <a:ext uri="{FF2B5EF4-FFF2-40B4-BE49-F238E27FC236}">
+                <a16:creationId xmlns:a16="http://schemas.microsoft.com/office/drawing/2014/main" id="{0EAA8BFA-C43B-0143-822B-DF559AC27492}"/>
+              </a:ext>
+            </a:extLst>
+          </p:cNvPr>
+          <p:cNvSpPr txBox="1"/>
+          <p:nvPr/>
+        </p:nvSpPr>
+        <p:spPr>
+          <a:xfrm>
+            <a:off x="10936813" y="3758684"/>
+            <a:ext cx="569387" cy="369332"/>
+          </a:xfrm>
+          <a:prstGeom prst="rect">
+            <a:avLst/>
+          </a:prstGeom>
+          <a:noFill/>
+        </p:spPr>
+        <p:txBody>
+          <a:bodyPr wrap="none" rtlCol="0">
+            <a:spAutoFit/>
+          </a:bodyPr>
+          <a:lstStyle/>
+          <a:p>
+            <a:r>
+              <a:rPr lang="en-US" dirty="0"/>
+              <a:t>480</a:t>
+            </a:r>
+          </a:p>
+        </p:txBody>
+      </p:sp>
+      <p:sp>
+        <p:nvSpPr>
+          <p:cNvPr id="9" name="Right Brace 8">
+            <a:extLst>
+              <a:ext uri="{FF2B5EF4-FFF2-40B4-BE49-F238E27FC236}">
+                <a16:creationId xmlns:a16="http://schemas.microsoft.com/office/drawing/2014/main" id="{4CEAFF37-6356-A342-8336-7FBA0B136A6E}"/>
+              </a:ext>
+            </a:extLst>
+          </p:cNvPr>
+          <p:cNvSpPr/>
+          <p:nvPr/>
+        </p:nvSpPr>
+        <p:spPr>
+          <a:xfrm rot="5400000">
+            <a:off x="5827822" y="2239561"/>
+            <a:ext cx="294615" cy="7746124"/>
+          </a:xfrm>
+          <a:prstGeom prst="rightBrace">
+            <a:avLst>
+              <a:gd name="adj1" fmla="val 8333"/>
+              <a:gd name="adj2" fmla="val 50379"/>
+            </a:avLst>
+          </a:prstGeom>
+          <a:ln w="25400"/>
         </p:spPr>
         <p:style>
           <a:lnRef idx="1">
@@ -10854,34 +10340,74 @@
             <a:schemeClr val="tx1"/>
           </a:fontRef>
         </p:style>
-      </p:cxnSp>
-      <p:cxnSp>
-        <p:nvCxnSpPr>
-          <p:cNvPr id="16" name="Straight Connector 15">
-            <a:extLst>
-              <a:ext uri="{FF2B5EF4-FFF2-40B4-BE49-F238E27FC236}">
-                <a16:creationId xmlns:a16="http://schemas.microsoft.com/office/drawing/2014/main" id="{CCDECCBE-ABD6-2D44-A605-AE594BDD785A}"/>
-              </a:ext>
-            </a:extLst>
-          </p:cNvPr>
-          <p:cNvCxnSpPr>
-            <a:cxnSpLocks/>
-          </p:cNvCxnSpPr>
-          <p:nvPr/>
-        </p:nvCxnSpPr>
-        <p:spPr>
-          <a:xfrm>
-            <a:off x="10522826" y="3113604"/>
-            <a:ext cx="1484388" cy="0"/>
-          </a:xfrm>
-          <a:prstGeom prst="line">
-            <a:avLst/>
-          </a:prstGeom>
-          <a:ln w="15875">
-            <a:solidFill>
-              <a:schemeClr val="tx1"/>
-            </a:solidFill>
-          </a:ln>
+        <p:txBody>
+          <a:bodyPr rtlCol="0" anchor="ctr"/>
+          <a:lstStyle/>
+          <a:p>
+            <a:pPr algn="ctr"/>
+            <a:endParaRPr lang="en-US"/>
+          </a:p>
+        </p:txBody>
+      </p:sp>
+      <p:sp>
+        <p:nvSpPr>
+          <p:cNvPr id="10" name="TextBox 9">
+            <a:extLst>
+              <a:ext uri="{FF2B5EF4-FFF2-40B4-BE49-F238E27FC236}">
+                <a16:creationId xmlns:a16="http://schemas.microsoft.com/office/drawing/2014/main" id="{8AF97852-1663-1D4B-AAEA-46CAF3BAE50C}"/>
+              </a:ext>
+            </a:extLst>
+          </p:cNvPr>
+          <p:cNvSpPr txBox="1"/>
+          <p:nvPr/>
+        </p:nvSpPr>
+        <p:spPr>
+          <a:xfrm>
+            <a:off x="5690435" y="6259931"/>
+            <a:ext cx="569387" cy="369332"/>
+          </a:xfrm>
+          <a:prstGeom prst="rect">
+            <a:avLst/>
+          </a:prstGeom>
+          <a:noFill/>
+        </p:spPr>
+        <p:txBody>
+          <a:bodyPr wrap="none" rtlCol="0">
+            <a:spAutoFit/>
+          </a:bodyPr>
+          <a:lstStyle/>
+          <a:p>
+            <a:r>
+              <a:rPr lang="en-US" dirty="0"/>
+              <a:t>640</a:t>
+            </a:r>
+          </a:p>
+        </p:txBody>
+      </p:sp>
+      <p:sp>
+        <p:nvSpPr>
+          <p:cNvPr id="11" name="Right Brace 10">
+            <a:extLst>
+              <a:ext uri="{FF2B5EF4-FFF2-40B4-BE49-F238E27FC236}">
+                <a16:creationId xmlns:a16="http://schemas.microsoft.com/office/drawing/2014/main" id="{DD99C65A-5A74-5440-8BA8-F839884A8EFB}"/>
+              </a:ext>
+            </a:extLst>
+          </p:cNvPr>
+          <p:cNvSpPr/>
+          <p:nvPr/>
+        </p:nvSpPr>
+        <p:spPr>
+          <a:xfrm>
+            <a:off x="8919812" y="3213276"/>
+            <a:ext cx="427743" cy="1460148"/>
+          </a:xfrm>
+          <a:prstGeom prst="rightBrace">
+            <a:avLst>
+              <a:gd name="adj1" fmla="val 8333"/>
+              <a:gd name="adj2" fmla="val 50379"/>
+            </a:avLst>
+          </a:prstGeom>
+          <a:ln w="25400"/>
         </p:spPr>
         <p:style>
           <a:lnRef idx="1">
@@ -10897,34 +10423,74 @@
             <a:schemeClr val="tx1"/>
           </a:fontRef>
         </p:style>
-      </p:cxnSp>
-      <p:cxnSp>
-        <p:nvCxnSpPr>
-          <p:cNvPr id="17" name="Straight Connector 16">
-            <a:extLst>
-              <a:ext uri="{FF2B5EF4-FFF2-40B4-BE49-F238E27FC236}">
-                <a16:creationId xmlns:a16="http://schemas.microsoft.com/office/drawing/2014/main" id="{64696274-4E5E-EB47-9B7E-DF093FBF4907}"/>
-              </a:ext>
-            </a:extLst>
-          </p:cNvPr>
-          <p:cNvCxnSpPr>
-            <a:cxnSpLocks/>
-          </p:cNvCxnSpPr>
-          <p:nvPr/>
-        </p:nvCxnSpPr>
-        <p:spPr>
-          <a:xfrm>
-            <a:off x="5100638" y="3954828"/>
-            <a:ext cx="1500854" cy="0"/>
-          </a:xfrm>
-          <a:prstGeom prst="line">
-            <a:avLst/>
-          </a:prstGeom>
-          <a:ln w="57150">
-            <a:solidFill>
-              <a:schemeClr val="tx1"/>
-            </a:solidFill>
-          </a:ln>
+        <p:txBody>
+          <a:bodyPr rtlCol="0" anchor="ctr"/>
+          <a:lstStyle/>
+          <a:p>
+            <a:pPr algn="ctr"/>
+            <a:endParaRPr lang="en-US"/>
+          </a:p>
+        </p:txBody>
+      </p:sp>
+      <p:sp>
+        <p:nvSpPr>
+          <p:cNvPr id="12" name="TextBox 11">
+            <a:extLst>
+              <a:ext uri="{FF2B5EF4-FFF2-40B4-BE49-F238E27FC236}">
+                <a16:creationId xmlns:a16="http://schemas.microsoft.com/office/drawing/2014/main" id="{EE1AADDA-37D3-9844-B79E-C978C748973D}"/>
+              </a:ext>
+            </a:extLst>
+          </p:cNvPr>
+          <p:cNvSpPr txBox="1"/>
+          <p:nvPr/>
+        </p:nvSpPr>
+        <p:spPr>
+          <a:xfrm>
+            <a:off x="9347555" y="3758684"/>
+            <a:ext cx="441146" cy="369332"/>
+          </a:xfrm>
+          <a:prstGeom prst="rect">
+            <a:avLst/>
+          </a:prstGeom>
+          <a:noFill/>
+        </p:spPr>
+        <p:txBody>
+          <a:bodyPr wrap="none" rtlCol="0">
+            <a:spAutoFit/>
+          </a:bodyPr>
+          <a:lstStyle/>
+          <a:p>
+            <a:r>
+              <a:rPr lang="en-US" dirty="0"/>
+              <a:t>70</a:t>
+            </a:r>
+          </a:p>
+        </p:txBody>
+      </p:sp>
+      <p:sp>
+        <p:nvSpPr>
+          <p:cNvPr id="13" name="Right Brace 12">
+            <a:extLst>
+              <a:ext uri="{FF2B5EF4-FFF2-40B4-BE49-F238E27FC236}">
+                <a16:creationId xmlns:a16="http://schemas.microsoft.com/office/drawing/2014/main" id="{35BAD9DE-5103-9948-A3A1-C0E4CD5814D3}"/>
+              </a:ext>
+            </a:extLst>
+          </p:cNvPr>
+          <p:cNvSpPr/>
+          <p:nvPr/>
+        </p:nvSpPr>
+        <p:spPr>
+          <a:xfrm rot="5400000">
+            <a:off x="5699453" y="2213329"/>
+            <a:ext cx="551353" cy="5743574"/>
+          </a:xfrm>
+          <a:prstGeom prst="rightBrace">
+            <a:avLst>
+              <a:gd name="adj1" fmla="val 8333"/>
+              <a:gd name="adj2" fmla="val 50379"/>
+            </a:avLst>
+          </a:prstGeom>
+          <a:ln w="25400"/>
         </p:spPr>
         <p:style>
           <a:lnRef idx="1">
@@ -10940,34 +10506,740 @@
             <a:schemeClr val="tx1"/>
           </a:fontRef>
         </p:style>
-      </p:cxnSp>
-      <p:cxnSp>
-        <p:nvCxnSpPr>
-          <p:cNvPr id="19" name="Straight Connector 18">
-            <a:extLst>
-              <a:ext uri="{FF2B5EF4-FFF2-40B4-BE49-F238E27FC236}">
-                <a16:creationId xmlns:a16="http://schemas.microsoft.com/office/drawing/2014/main" id="{9CD36880-6350-0F49-BE36-93B358790086}"/>
-              </a:ext>
-            </a:extLst>
-          </p:cNvPr>
-          <p:cNvCxnSpPr>
-            <a:cxnSpLocks/>
-          </p:cNvCxnSpPr>
-          <p:nvPr/>
-        </p:nvCxnSpPr>
-        <p:spPr>
-          <a:xfrm>
-            <a:off x="5042821" y="4464415"/>
-            <a:ext cx="1500854" cy="0"/>
-          </a:xfrm>
-          <a:prstGeom prst="line">
-            <a:avLst/>
-          </a:prstGeom>
-          <a:ln w="57150">
+        <p:txBody>
+          <a:bodyPr rtlCol="0" anchor="ctr"/>
+          <a:lstStyle/>
+          <a:p>
+            <a:pPr algn="ctr"/>
+            <a:endParaRPr lang="en-US"/>
+          </a:p>
+        </p:txBody>
+      </p:sp>
+      <p:sp>
+        <p:nvSpPr>
+          <p:cNvPr id="14" name="TextBox 13">
+            <a:extLst>
+              <a:ext uri="{FF2B5EF4-FFF2-40B4-BE49-F238E27FC236}">
+                <a16:creationId xmlns:a16="http://schemas.microsoft.com/office/drawing/2014/main" id="{9CFCA4CF-158C-C94D-8927-7AD7383E2C42}"/>
+              </a:ext>
+            </a:extLst>
+          </p:cNvPr>
+          <p:cNvSpPr txBox="1"/>
+          <p:nvPr/>
+        </p:nvSpPr>
+        <p:spPr>
+          <a:xfrm>
+            <a:off x="5690434" y="5410380"/>
+            <a:ext cx="569387" cy="369332"/>
+          </a:xfrm>
+          <a:prstGeom prst="rect">
+            <a:avLst/>
+          </a:prstGeom>
+          <a:noFill/>
+        </p:spPr>
+        <p:txBody>
+          <a:bodyPr wrap="none" rtlCol="0">
+            <a:spAutoFit/>
+          </a:bodyPr>
+          <a:lstStyle/>
+          <a:p>
+            <a:r>
+              <a:rPr lang="en-US" dirty="0"/>
+              <a:t>448</a:t>
+            </a:r>
+          </a:p>
+        </p:txBody>
+      </p:sp>
+      <p:sp>
+        <p:nvSpPr>
+          <p:cNvPr id="15" name="Rectangle 14">
+            <a:extLst>
+              <a:ext uri="{FF2B5EF4-FFF2-40B4-BE49-F238E27FC236}">
+                <a16:creationId xmlns:a16="http://schemas.microsoft.com/office/drawing/2014/main" id="{CF6E234A-06C4-0747-A229-1AF566894D12}"/>
+              </a:ext>
+            </a:extLst>
+          </p:cNvPr>
+          <p:cNvSpPr/>
+          <p:nvPr/>
+        </p:nvSpPr>
+        <p:spPr>
+          <a:xfrm>
+            <a:off x="3241456" y="3406134"/>
+            <a:ext cx="587595" cy="1074431"/>
+          </a:xfrm>
+          <a:prstGeom prst="rect">
+            <a:avLst/>
+          </a:prstGeom>
+          <a:noFill/>
+          <a:ln w="25400">
             <a:solidFill>
               <a:schemeClr val="tx1"/>
             </a:solidFill>
           </a:ln>
+        </p:spPr>
+        <p:style>
+          <a:lnRef idx="2">
+            <a:schemeClr val="accent6"/>
+          </a:lnRef>
+          <a:fillRef idx="1">
+            <a:schemeClr val="lt1"/>
+          </a:fillRef>
+          <a:effectRef idx="0">
+            <a:schemeClr val="accent6"/>
+          </a:effectRef>
+          <a:fontRef idx="minor">
+            <a:schemeClr val="dk1"/>
+          </a:fontRef>
+        </p:style>
+        <p:txBody>
+          <a:bodyPr rot="0" spcFirstLastPara="0" vertOverflow="overflow" horzOverflow="overflow" vert="horz" wrap="square" lIns="91440" tIns="45720" rIns="91440" bIns="45720" numCol="1" spcCol="0" rtlCol="0" fromWordArt="0" anchor="ctr" anchorCtr="0" forceAA="0" compatLnSpc="1">
+            <a:prstTxWarp prst="textNoShape">
+              <a:avLst/>
+            </a:prstTxWarp>
+            <a:noAutofit/>
+          </a:bodyPr>
+          <a:lstStyle/>
+          <a:p>
+            <a:pPr algn="ctr"/>
+            <a:endParaRPr lang="en-US" dirty="0">
+              <a:ln w="0"/>
+              <a:solidFill>
+                <a:schemeClr val="tx1"/>
+              </a:solidFill>
+              <a:effectLst>
+                <a:outerShdw blurRad="38100" dist="19050" dir="2700000" algn="tl" rotWithShape="0">
+                  <a:schemeClr val="dk1">
+                    <a:alpha val="40000"/>
+                  </a:schemeClr>
+                </a:outerShdw>
+              </a:effectLst>
+            </a:endParaRPr>
+          </a:p>
+        </p:txBody>
+      </p:sp>
+      <p:sp>
+        <p:nvSpPr>
+          <p:cNvPr id="16" name="Rectangle 15">
+            <a:extLst>
+              <a:ext uri="{FF2B5EF4-FFF2-40B4-BE49-F238E27FC236}">
+                <a16:creationId xmlns:a16="http://schemas.microsoft.com/office/drawing/2014/main" id="{15FF9C43-C712-CD4D-9E67-24AFACA6C1B0}"/>
+              </a:ext>
+            </a:extLst>
+          </p:cNvPr>
+          <p:cNvSpPr/>
+          <p:nvPr/>
+        </p:nvSpPr>
+        <p:spPr>
+          <a:xfrm>
+            <a:off x="4037194" y="3406134"/>
+            <a:ext cx="587595" cy="1074431"/>
+          </a:xfrm>
+          <a:prstGeom prst="rect">
+            <a:avLst/>
+          </a:prstGeom>
+          <a:noFill/>
+          <a:ln w="25400">
+            <a:solidFill>
+              <a:schemeClr val="tx1"/>
+            </a:solidFill>
+          </a:ln>
+        </p:spPr>
+        <p:style>
+          <a:lnRef idx="2">
+            <a:schemeClr val="accent6"/>
+          </a:lnRef>
+          <a:fillRef idx="1">
+            <a:schemeClr val="lt1"/>
+          </a:fillRef>
+          <a:effectRef idx="0">
+            <a:schemeClr val="accent6"/>
+          </a:effectRef>
+          <a:fontRef idx="minor">
+            <a:schemeClr val="dk1"/>
+          </a:fontRef>
+        </p:style>
+        <p:txBody>
+          <a:bodyPr rot="0" spcFirstLastPara="0" vertOverflow="overflow" horzOverflow="overflow" vert="horz" wrap="square" lIns="91440" tIns="45720" rIns="91440" bIns="45720" numCol="1" spcCol="0" rtlCol="0" fromWordArt="0" anchor="ctr" anchorCtr="0" forceAA="0" compatLnSpc="1">
+            <a:prstTxWarp prst="textNoShape">
+              <a:avLst/>
+            </a:prstTxWarp>
+            <a:noAutofit/>
+          </a:bodyPr>
+          <a:lstStyle/>
+          <a:p>
+            <a:pPr algn="ctr"/>
+            <a:endParaRPr lang="en-US" dirty="0">
+              <a:ln w="0"/>
+              <a:solidFill>
+                <a:schemeClr val="tx1"/>
+              </a:solidFill>
+              <a:effectLst>
+                <a:outerShdw blurRad="38100" dist="19050" dir="2700000" algn="tl" rotWithShape="0">
+                  <a:schemeClr val="dk1">
+                    <a:alpha val="40000"/>
+                  </a:schemeClr>
+                </a:outerShdw>
+              </a:effectLst>
+            </a:endParaRPr>
+          </a:p>
+        </p:txBody>
+      </p:sp>
+      <p:sp>
+        <p:nvSpPr>
+          <p:cNvPr id="17" name="Rectangle 16">
+            <a:extLst>
+              <a:ext uri="{FF2B5EF4-FFF2-40B4-BE49-F238E27FC236}">
+                <a16:creationId xmlns:a16="http://schemas.microsoft.com/office/drawing/2014/main" id="{281A5E3E-3395-8343-BE37-FA12E1C86B19}"/>
+              </a:ext>
+            </a:extLst>
+          </p:cNvPr>
+          <p:cNvSpPr/>
+          <p:nvPr/>
+        </p:nvSpPr>
+        <p:spPr>
+          <a:xfrm>
+            <a:off x="5236292" y="3415784"/>
+            <a:ext cx="587595" cy="1074431"/>
+          </a:xfrm>
+          <a:prstGeom prst="rect">
+            <a:avLst/>
+          </a:prstGeom>
+          <a:noFill/>
+          <a:ln w="25400">
+            <a:solidFill>
+              <a:schemeClr val="tx1"/>
+            </a:solidFill>
+          </a:ln>
+        </p:spPr>
+        <p:style>
+          <a:lnRef idx="2">
+            <a:schemeClr val="accent6"/>
+          </a:lnRef>
+          <a:fillRef idx="1">
+            <a:schemeClr val="lt1"/>
+          </a:fillRef>
+          <a:effectRef idx="0">
+            <a:schemeClr val="accent6"/>
+          </a:effectRef>
+          <a:fontRef idx="minor">
+            <a:schemeClr val="dk1"/>
+          </a:fontRef>
+        </p:style>
+        <p:txBody>
+          <a:bodyPr rot="0" spcFirstLastPara="0" vertOverflow="overflow" horzOverflow="overflow" vert="horz" wrap="square" lIns="91440" tIns="45720" rIns="91440" bIns="45720" numCol="1" spcCol="0" rtlCol="0" fromWordArt="0" anchor="ctr" anchorCtr="0" forceAA="0" compatLnSpc="1">
+            <a:prstTxWarp prst="textNoShape">
+              <a:avLst/>
+            </a:prstTxWarp>
+            <a:noAutofit/>
+          </a:bodyPr>
+          <a:lstStyle/>
+          <a:p>
+            <a:pPr algn="ctr"/>
+            <a:endParaRPr lang="en-US" dirty="0">
+              <a:ln w="0"/>
+              <a:solidFill>
+                <a:schemeClr val="tx1"/>
+              </a:solidFill>
+              <a:effectLst>
+                <a:outerShdw blurRad="38100" dist="19050" dir="2700000" algn="tl" rotWithShape="0">
+                  <a:schemeClr val="dk1">
+                    <a:alpha val="40000"/>
+                  </a:schemeClr>
+                </a:outerShdw>
+              </a:effectLst>
+            </a:endParaRPr>
+          </a:p>
+        </p:txBody>
+      </p:sp>
+      <p:sp>
+        <p:nvSpPr>
+          <p:cNvPr id="18" name="Rectangle 17">
+            <a:extLst>
+              <a:ext uri="{FF2B5EF4-FFF2-40B4-BE49-F238E27FC236}">
+                <a16:creationId xmlns:a16="http://schemas.microsoft.com/office/drawing/2014/main" id="{96F1131A-560E-D34E-A8CA-FAC7F675B3C6}"/>
+              </a:ext>
+            </a:extLst>
+          </p:cNvPr>
+          <p:cNvSpPr/>
+          <p:nvPr/>
+        </p:nvSpPr>
+        <p:spPr>
+          <a:xfrm>
+            <a:off x="6096000" y="3409982"/>
+            <a:ext cx="587595" cy="1074431"/>
+          </a:xfrm>
+          <a:prstGeom prst="rect">
+            <a:avLst/>
+          </a:prstGeom>
+          <a:noFill/>
+          <a:ln w="25400">
+            <a:solidFill>
+              <a:schemeClr val="tx1"/>
+            </a:solidFill>
+          </a:ln>
+        </p:spPr>
+        <p:style>
+          <a:lnRef idx="2">
+            <a:schemeClr val="accent6"/>
+          </a:lnRef>
+          <a:fillRef idx="1">
+            <a:schemeClr val="lt1"/>
+          </a:fillRef>
+          <a:effectRef idx="0">
+            <a:schemeClr val="accent6"/>
+          </a:effectRef>
+          <a:fontRef idx="minor">
+            <a:schemeClr val="dk1"/>
+          </a:fontRef>
+        </p:style>
+        <p:txBody>
+          <a:bodyPr rot="0" spcFirstLastPara="0" vertOverflow="overflow" horzOverflow="overflow" vert="horz" wrap="square" lIns="91440" tIns="45720" rIns="91440" bIns="45720" numCol="1" spcCol="0" rtlCol="0" fromWordArt="0" anchor="ctr" anchorCtr="0" forceAA="0" compatLnSpc="1">
+            <a:prstTxWarp prst="textNoShape">
+              <a:avLst/>
+            </a:prstTxWarp>
+            <a:noAutofit/>
+          </a:bodyPr>
+          <a:lstStyle/>
+          <a:p>
+            <a:pPr algn="ctr"/>
+            <a:endParaRPr lang="en-US" dirty="0">
+              <a:ln w="0"/>
+              <a:solidFill>
+                <a:schemeClr val="tx1"/>
+              </a:solidFill>
+              <a:effectLst>
+                <a:outerShdw blurRad="38100" dist="19050" dir="2700000" algn="tl" rotWithShape="0">
+                  <a:schemeClr val="dk1">
+                    <a:alpha val="40000"/>
+                  </a:schemeClr>
+                </a:outerShdw>
+              </a:effectLst>
+            </a:endParaRPr>
+          </a:p>
+        </p:txBody>
+      </p:sp>
+      <p:sp>
+        <p:nvSpPr>
+          <p:cNvPr id="19" name="Rectangle 18">
+            <a:extLst>
+              <a:ext uri="{FF2B5EF4-FFF2-40B4-BE49-F238E27FC236}">
+                <a16:creationId xmlns:a16="http://schemas.microsoft.com/office/drawing/2014/main" id="{BE2A1D13-D389-CD4D-82D1-24EBC663691C}"/>
+              </a:ext>
+            </a:extLst>
+          </p:cNvPr>
+          <p:cNvSpPr/>
+          <p:nvPr/>
+        </p:nvSpPr>
+        <p:spPr>
+          <a:xfrm>
+            <a:off x="7249024" y="3398181"/>
+            <a:ext cx="587595" cy="1074431"/>
+          </a:xfrm>
+          <a:prstGeom prst="rect">
+            <a:avLst/>
+          </a:prstGeom>
+          <a:noFill/>
+          <a:ln w="25400">
+            <a:solidFill>
+              <a:schemeClr val="tx1"/>
+            </a:solidFill>
+          </a:ln>
+        </p:spPr>
+        <p:style>
+          <a:lnRef idx="2">
+            <a:schemeClr val="accent6"/>
+          </a:lnRef>
+          <a:fillRef idx="1">
+            <a:schemeClr val="lt1"/>
+          </a:fillRef>
+          <a:effectRef idx="0">
+            <a:schemeClr val="accent6"/>
+          </a:effectRef>
+          <a:fontRef idx="minor">
+            <a:schemeClr val="dk1"/>
+          </a:fontRef>
+        </p:style>
+        <p:txBody>
+          <a:bodyPr rot="0" spcFirstLastPara="0" vertOverflow="overflow" horzOverflow="overflow" vert="horz" wrap="square" lIns="91440" tIns="45720" rIns="91440" bIns="45720" numCol="1" spcCol="0" rtlCol="0" fromWordArt="0" anchor="ctr" anchorCtr="0" forceAA="0" compatLnSpc="1">
+            <a:prstTxWarp prst="textNoShape">
+              <a:avLst/>
+            </a:prstTxWarp>
+            <a:noAutofit/>
+          </a:bodyPr>
+          <a:lstStyle/>
+          <a:p>
+            <a:pPr algn="ctr"/>
+            <a:endParaRPr lang="en-US" dirty="0">
+              <a:ln w="0"/>
+              <a:solidFill>
+                <a:schemeClr val="tx1"/>
+              </a:solidFill>
+              <a:effectLst>
+                <a:outerShdw blurRad="38100" dist="19050" dir="2700000" algn="tl" rotWithShape="0">
+                  <a:schemeClr val="dk1">
+                    <a:alpha val="40000"/>
+                  </a:schemeClr>
+                </a:outerShdw>
+              </a:effectLst>
+            </a:endParaRPr>
+          </a:p>
+        </p:txBody>
+      </p:sp>
+      <p:sp>
+        <p:nvSpPr>
+          <p:cNvPr id="20" name="Rectangle 19">
+            <a:extLst>
+              <a:ext uri="{FF2B5EF4-FFF2-40B4-BE49-F238E27FC236}">
+                <a16:creationId xmlns:a16="http://schemas.microsoft.com/office/drawing/2014/main" id="{55FB7A02-7557-9E46-BA46-939F577CBAF0}"/>
+              </a:ext>
+            </a:extLst>
+          </p:cNvPr>
+          <p:cNvSpPr/>
+          <p:nvPr/>
+        </p:nvSpPr>
+        <p:spPr>
+          <a:xfrm>
+            <a:off x="8013195" y="3398180"/>
+            <a:ext cx="587595" cy="1074431"/>
+          </a:xfrm>
+          <a:prstGeom prst="rect">
+            <a:avLst/>
+          </a:prstGeom>
+          <a:noFill/>
+          <a:ln w="25400">
+            <a:solidFill>
+              <a:schemeClr val="tx1"/>
+            </a:solidFill>
+          </a:ln>
+        </p:spPr>
+        <p:style>
+          <a:lnRef idx="2">
+            <a:schemeClr val="accent6"/>
+          </a:lnRef>
+          <a:fillRef idx="1">
+            <a:schemeClr val="lt1"/>
+          </a:fillRef>
+          <a:effectRef idx="0">
+            <a:schemeClr val="accent6"/>
+          </a:effectRef>
+          <a:fontRef idx="minor">
+            <a:schemeClr val="dk1"/>
+          </a:fontRef>
+        </p:style>
+        <p:txBody>
+          <a:bodyPr rot="0" spcFirstLastPara="0" vertOverflow="overflow" horzOverflow="overflow" vert="horz" wrap="square" lIns="91440" tIns="45720" rIns="91440" bIns="45720" numCol="1" spcCol="0" rtlCol="0" fromWordArt="0" anchor="ctr" anchorCtr="0" forceAA="0" compatLnSpc="1">
+            <a:prstTxWarp prst="textNoShape">
+              <a:avLst/>
+            </a:prstTxWarp>
+            <a:noAutofit/>
+          </a:bodyPr>
+          <a:lstStyle/>
+          <a:p>
+            <a:pPr algn="ctr"/>
+            <a:endParaRPr lang="en-US" dirty="0">
+              <a:ln w="0"/>
+              <a:solidFill>
+                <a:schemeClr val="tx1"/>
+              </a:solidFill>
+              <a:effectLst>
+                <a:outerShdw blurRad="38100" dist="19050" dir="2700000" algn="tl" rotWithShape="0">
+                  <a:schemeClr val="dk1">
+                    <a:alpha val="40000"/>
+                  </a:schemeClr>
+                </a:outerShdw>
+              </a:effectLst>
+            </a:endParaRPr>
+          </a:p>
+        </p:txBody>
+      </p:sp>
+      <p:sp>
+        <p:nvSpPr>
+          <p:cNvPr id="21" name="TextBox 20">
+            <a:extLst>
+              <a:ext uri="{FF2B5EF4-FFF2-40B4-BE49-F238E27FC236}">
+                <a16:creationId xmlns:a16="http://schemas.microsoft.com/office/drawing/2014/main" id="{525471A6-4AB3-6341-8EE5-EF28D7C0C638}"/>
+              </a:ext>
+            </a:extLst>
+          </p:cNvPr>
+          <p:cNvSpPr txBox="1"/>
+          <p:nvPr/>
+        </p:nvSpPr>
+        <p:spPr>
+          <a:xfrm>
+            <a:off x="4701078" y="2815619"/>
+            <a:ext cx="439544" cy="1200329"/>
+          </a:xfrm>
+          <a:prstGeom prst="rect">
+            <a:avLst/>
+          </a:prstGeom>
+          <a:noFill/>
+        </p:spPr>
+        <p:txBody>
+          <a:bodyPr wrap="none" rtlCol="0">
+            <a:spAutoFit/>
+          </a:bodyPr>
+          <a:lstStyle/>
+          <a:p>
+            <a:r>
+              <a:rPr lang="en-US" sz="7200" dirty="0"/>
+              <a:t>.</a:t>
+            </a:r>
+          </a:p>
+        </p:txBody>
+      </p:sp>
+      <p:sp>
+        <p:nvSpPr>
+          <p:cNvPr id="22" name="TextBox 21">
+            <a:extLst>
+              <a:ext uri="{FF2B5EF4-FFF2-40B4-BE49-F238E27FC236}">
+                <a16:creationId xmlns:a16="http://schemas.microsoft.com/office/drawing/2014/main" id="{B3CC7938-CB01-D54D-B833-425803C65180}"/>
+              </a:ext>
+            </a:extLst>
+          </p:cNvPr>
+          <p:cNvSpPr txBox="1"/>
+          <p:nvPr/>
+        </p:nvSpPr>
+        <p:spPr>
+          <a:xfrm>
+            <a:off x="4697683" y="3324612"/>
+            <a:ext cx="439544" cy="1200329"/>
+          </a:xfrm>
+          <a:prstGeom prst="rect">
+            <a:avLst/>
+          </a:prstGeom>
+          <a:noFill/>
+        </p:spPr>
+        <p:txBody>
+          <a:bodyPr wrap="none" rtlCol="0">
+            <a:spAutoFit/>
+          </a:bodyPr>
+          <a:lstStyle/>
+          <a:p>
+            <a:r>
+              <a:rPr lang="en-US" sz="7200" dirty="0"/>
+              <a:t>.</a:t>
+            </a:r>
+          </a:p>
+        </p:txBody>
+      </p:sp>
+      <p:sp>
+        <p:nvSpPr>
+          <p:cNvPr id="23" name="TextBox 22">
+            <a:extLst>
+              <a:ext uri="{FF2B5EF4-FFF2-40B4-BE49-F238E27FC236}">
+                <a16:creationId xmlns:a16="http://schemas.microsoft.com/office/drawing/2014/main" id="{2327753A-F001-684B-BE53-5CB6CBED2850}"/>
+              </a:ext>
+            </a:extLst>
+          </p:cNvPr>
+          <p:cNvSpPr txBox="1"/>
+          <p:nvPr/>
+        </p:nvSpPr>
+        <p:spPr>
+          <a:xfrm>
+            <a:off x="6714142" y="2833255"/>
+            <a:ext cx="439544" cy="1200329"/>
+          </a:xfrm>
+          <a:prstGeom prst="rect">
+            <a:avLst/>
+          </a:prstGeom>
+          <a:noFill/>
+        </p:spPr>
+        <p:txBody>
+          <a:bodyPr wrap="none" rtlCol="0">
+            <a:spAutoFit/>
+          </a:bodyPr>
+          <a:lstStyle/>
+          <a:p>
+            <a:r>
+              <a:rPr lang="en-US" sz="7200" dirty="0"/>
+              <a:t>.</a:t>
+            </a:r>
+          </a:p>
+        </p:txBody>
+      </p:sp>
+      <p:sp>
+        <p:nvSpPr>
+          <p:cNvPr id="24" name="TextBox 23">
+            <a:extLst>
+              <a:ext uri="{FF2B5EF4-FFF2-40B4-BE49-F238E27FC236}">
+                <a16:creationId xmlns:a16="http://schemas.microsoft.com/office/drawing/2014/main" id="{B670A4E0-2BDF-0C4A-AA0D-3FCF0D189893}"/>
+              </a:ext>
+            </a:extLst>
+          </p:cNvPr>
+          <p:cNvSpPr txBox="1"/>
+          <p:nvPr/>
+        </p:nvSpPr>
+        <p:spPr>
+          <a:xfrm>
+            <a:off x="6710747" y="3325682"/>
+            <a:ext cx="439544" cy="1200329"/>
+          </a:xfrm>
+          <a:prstGeom prst="rect">
+            <a:avLst/>
+          </a:prstGeom>
+          <a:noFill/>
+        </p:spPr>
+        <p:txBody>
+          <a:bodyPr wrap="none" rtlCol="0">
+            <a:spAutoFit/>
+          </a:bodyPr>
+          <a:lstStyle/>
+          <a:p>
+            <a:r>
+              <a:rPr lang="en-US" sz="7200" dirty="0"/>
+              <a:t>.</a:t>
+            </a:r>
+          </a:p>
+        </p:txBody>
+      </p:sp>
+      <p:sp>
+        <p:nvSpPr>
+          <p:cNvPr id="3" name="TextBox 2">
+            <a:extLst>
+              <a:ext uri="{FF2B5EF4-FFF2-40B4-BE49-F238E27FC236}">
+                <a16:creationId xmlns:a16="http://schemas.microsoft.com/office/drawing/2014/main" id="{34DDC508-AE5B-C142-ABE1-51E5A178C4EC}"/>
+              </a:ext>
+            </a:extLst>
+          </p:cNvPr>
+          <p:cNvSpPr txBox="1"/>
+          <p:nvPr/>
+        </p:nvSpPr>
+        <p:spPr>
+          <a:xfrm>
+            <a:off x="3309928" y="3430005"/>
+            <a:ext cx="439544" cy="1015663"/>
+          </a:xfrm>
+          <a:prstGeom prst="rect">
+            <a:avLst/>
+          </a:prstGeom>
+          <a:noFill/>
+        </p:spPr>
+        <p:txBody>
+          <a:bodyPr wrap="none" rtlCol="0">
+            <a:spAutoFit/>
+          </a:bodyPr>
+          <a:lstStyle/>
+          <a:p>
+            <a:r>
+              <a:rPr lang="en-US" sz="1200" dirty="0"/>
+              <a:t>111</a:t>
+            </a:r>
+            <a:br>
+              <a:rPr lang="en-US" sz="1200" dirty="0"/>
+            </a:br>
+            <a:r>
+              <a:rPr lang="en-US" sz="1200" dirty="0"/>
+              <a:t>101</a:t>
+            </a:r>
+            <a:br>
+              <a:rPr lang="en-US" sz="1200" dirty="0"/>
+            </a:br>
+            <a:r>
+              <a:rPr lang="en-US" sz="1200" dirty="0"/>
+              <a:t>101</a:t>
+            </a:r>
+            <a:br>
+              <a:rPr lang="en-US" sz="1200" dirty="0"/>
+            </a:br>
+            <a:r>
+              <a:rPr lang="en-US" sz="1200" dirty="0"/>
+              <a:t>101</a:t>
+            </a:r>
+            <a:br>
+              <a:rPr lang="en-US" sz="1200" dirty="0"/>
+            </a:br>
+            <a:r>
+              <a:rPr lang="en-US" sz="1200" dirty="0"/>
+              <a:t>111</a:t>
+            </a:r>
+          </a:p>
+        </p:txBody>
+      </p:sp>
+      <p:sp>
+        <p:nvSpPr>
+          <p:cNvPr id="6" name="TextBox 5">
+            <a:extLst>
+              <a:ext uri="{FF2B5EF4-FFF2-40B4-BE49-F238E27FC236}">
+                <a16:creationId xmlns:a16="http://schemas.microsoft.com/office/drawing/2014/main" id="{8381C617-B9B4-6F43-BEBD-7B662F77BB54}"/>
+              </a:ext>
+            </a:extLst>
+          </p:cNvPr>
+          <p:cNvSpPr txBox="1"/>
+          <p:nvPr/>
+        </p:nvSpPr>
+        <p:spPr>
+          <a:xfrm>
+            <a:off x="3794091" y="3421062"/>
+            <a:ext cx="269626" cy="1015663"/>
+          </a:xfrm>
+          <a:prstGeom prst="rect">
+            <a:avLst/>
+          </a:prstGeom>
+          <a:noFill/>
+        </p:spPr>
+        <p:txBody>
+          <a:bodyPr wrap="none" rtlCol="0">
+            <a:spAutoFit/>
+          </a:bodyPr>
+          <a:lstStyle/>
+          <a:p>
+            <a:r>
+              <a:rPr lang="en-US" sz="1200" dirty="0"/>
+              <a:t>0</a:t>
+            </a:r>
+            <a:br>
+              <a:rPr lang="en-US" sz="1200" dirty="0"/>
+            </a:br>
+            <a:r>
+              <a:rPr lang="en-US" sz="1200" dirty="0"/>
+              <a:t>0</a:t>
+            </a:r>
+            <a:br>
+              <a:rPr lang="en-US" sz="1200" dirty="0"/>
+            </a:br>
+            <a:r>
+              <a:rPr lang="en-US" sz="1200" dirty="0"/>
+              <a:t>0</a:t>
+            </a:r>
+          </a:p>
+          <a:p>
+            <a:r>
+              <a:rPr lang="en-US" sz="1200" dirty="0"/>
+              <a:t>0</a:t>
+            </a:r>
+          </a:p>
+          <a:p>
+            <a:r>
+              <a:rPr lang="en-US" sz="1200" dirty="0"/>
+              <a:t>0</a:t>
+            </a:r>
+          </a:p>
+        </p:txBody>
+      </p:sp>
+      <p:sp>
+        <p:nvSpPr>
+          <p:cNvPr id="25" name="Right Brace 24">
+            <a:extLst>
+              <a:ext uri="{FF2B5EF4-FFF2-40B4-BE49-F238E27FC236}">
+                <a16:creationId xmlns:a16="http://schemas.microsoft.com/office/drawing/2014/main" id="{754F9B97-8D28-734A-82A7-389E6BE2E021}"/>
+              </a:ext>
+            </a:extLst>
+          </p:cNvPr>
+          <p:cNvSpPr/>
+          <p:nvPr/>
+        </p:nvSpPr>
+        <p:spPr>
+          <a:xfrm rot="16200000">
+            <a:off x="3504911" y="2852387"/>
+            <a:ext cx="268828" cy="795738"/>
+          </a:xfrm>
+          <a:prstGeom prst="rightBrace">
+            <a:avLst>
+              <a:gd name="adj1" fmla="val 8333"/>
+              <a:gd name="adj2" fmla="val 50379"/>
+            </a:avLst>
+          </a:prstGeom>
+          <a:ln w="25400"/>
         </p:spPr>
         <p:style>
           <a:lnRef idx="1">
@@ -10983,140 +11255,54 @@
             <a:schemeClr val="tx1"/>
           </a:fontRef>
         </p:style>
-      </p:cxnSp>
-      <p:cxnSp>
-        <p:nvCxnSpPr>
-          <p:cNvPr id="20" name="Straight Connector 19">
-            <a:extLst>
-              <a:ext uri="{FF2B5EF4-FFF2-40B4-BE49-F238E27FC236}">
-                <a16:creationId xmlns:a16="http://schemas.microsoft.com/office/drawing/2014/main" id="{F97D5F53-065B-2D49-9A09-7515BFCBCFE1}"/>
-              </a:ext>
-            </a:extLst>
-          </p:cNvPr>
-          <p:cNvCxnSpPr>
-            <a:cxnSpLocks/>
-          </p:cNvCxnSpPr>
-          <p:nvPr/>
-        </p:nvCxnSpPr>
-        <p:spPr>
-          <a:xfrm>
-            <a:off x="5084172" y="4964478"/>
-            <a:ext cx="1500854" cy="0"/>
-          </a:xfrm>
-          <a:prstGeom prst="line">
-            <a:avLst/>
-          </a:prstGeom>
-          <a:ln w="57150">
-            <a:solidFill>
-              <a:schemeClr val="tx1"/>
-            </a:solidFill>
-          </a:ln>
-        </p:spPr>
-        <p:style>
-          <a:lnRef idx="1">
-            <a:schemeClr val="accent1"/>
-          </a:lnRef>
-          <a:fillRef idx="0">
-            <a:schemeClr val="accent1"/>
-          </a:fillRef>
-          <a:effectRef idx="0">
-            <a:schemeClr val="accent1"/>
-          </a:effectRef>
-          <a:fontRef idx="minor">
-            <a:schemeClr val="tx1"/>
-          </a:fontRef>
-        </p:style>
-      </p:cxnSp>
-      <p:cxnSp>
-        <p:nvCxnSpPr>
-          <p:cNvPr id="21" name="Straight Connector 20">
-            <a:extLst>
-              <a:ext uri="{FF2B5EF4-FFF2-40B4-BE49-F238E27FC236}">
-                <a16:creationId xmlns:a16="http://schemas.microsoft.com/office/drawing/2014/main" id="{63FA5AA7-E842-9A4E-8547-EB5D539050D9}"/>
-              </a:ext>
-            </a:extLst>
-          </p:cNvPr>
-          <p:cNvCxnSpPr>
-            <a:cxnSpLocks/>
-          </p:cNvCxnSpPr>
-          <p:nvPr/>
-        </p:nvCxnSpPr>
-        <p:spPr>
-          <a:xfrm>
-            <a:off x="5084172" y="5464540"/>
-            <a:ext cx="1500854" cy="0"/>
-          </a:xfrm>
-          <a:prstGeom prst="line">
-            <a:avLst/>
-          </a:prstGeom>
-          <a:ln w="57150">
-            <a:solidFill>
-              <a:schemeClr val="tx1"/>
-            </a:solidFill>
-          </a:ln>
-        </p:spPr>
-        <p:style>
-          <a:lnRef idx="1">
-            <a:schemeClr val="accent1"/>
-          </a:lnRef>
-          <a:fillRef idx="0">
-            <a:schemeClr val="accent1"/>
-          </a:fillRef>
-          <a:effectRef idx="0">
-            <a:schemeClr val="accent1"/>
-          </a:effectRef>
-          <a:fontRef idx="minor">
-            <a:schemeClr val="tx1"/>
-          </a:fontRef>
-        </p:style>
-      </p:cxnSp>
-      <p:cxnSp>
-        <p:nvCxnSpPr>
-          <p:cNvPr id="22" name="Straight Connector 21">
-            <a:extLst>
-              <a:ext uri="{FF2B5EF4-FFF2-40B4-BE49-F238E27FC236}">
-                <a16:creationId xmlns:a16="http://schemas.microsoft.com/office/drawing/2014/main" id="{04F51865-C901-FC4E-8F73-DE4E99EEB46B}"/>
-              </a:ext>
-            </a:extLst>
-          </p:cNvPr>
-          <p:cNvCxnSpPr>
-            <a:cxnSpLocks/>
-          </p:cNvCxnSpPr>
-          <p:nvPr/>
-        </p:nvCxnSpPr>
-        <p:spPr>
-          <a:xfrm>
-            <a:off x="5042821" y="5964603"/>
-            <a:ext cx="1500854" cy="0"/>
-          </a:xfrm>
-          <a:prstGeom prst="line">
-            <a:avLst/>
-          </a:prstGeom>
-          <a:ln w="57150">
-            <a:solidFill>
-              <a:schemeClr val="tx1"/>
-            </a:solidFill>
-          </a:ln>
-        </p:spPr>
-        <p:style>
-          <a:lnRef idx="1">
-            <a:schemeClr val="accent1"/>
-          </a:lnRef>
-          <a:fillRef idx="0">
-            <a:schemeClr val="accent1"/>
-          </a:fillRef>
-          <a:effectRef idx="0">
-            <a:schemeClr val="accent1"/>
-          </a:effectRef>
-          <a:fontRef idx="minor">
-            <a:schemeClr val="tx1"/>
-          </a:fontRef>
-        </p:style>
-      </p:cxnSp>
+        <p:txBody>
+          <a:bodyPr rtlCol="0" anchor="ctr"/>
+          <a:lstStyle/>
+          <a:p>
+            <a:pPr algn="ctr"/>
+            <a:endParaRPr lang="en-US"/>
+          </a:p>
+        </p:txBody>
+      </p:sp>
+      <p:sp>
+        <p:nvSpPr>
+          <p:cNvPr id="26" name="TextBox 25">
+            <a:extLst>
+              <a:ext uri="{FF2B5EF4-FFF2-40B4-BE49-F238E27FC236}">
+                <a16:creationId xmlns:a16="http://schemas.microsoft.com/office/drawing/2014/main" id="{AC42D35B-4824-1340-AAFC-FABB8C5A4366}"/>
+              </a:ext>
+            </a:extLst>
+          </p:cNvPr>
+          <p:cNvSpPr txBox="1"/>
+          <p:nvPr/>
+        </p:nvSpPr>
+        <p:spPr>
+          <a:xfrm>
+            <a:off x="3423144" y="2785069"/>
+            <a:ext cx="441146" cy="369332"/>
+          </a:xfrm>
+          <a:prstGeom prst="rect">
+            <a:avLst/>
+          </a:prstGeom>
+          <a:noFill/>
+        </p:spPr>
+        <p:txBody>
+          <a:bodyPr wrap="none" rtlCol="0">
+            <a:spAutoFit/>
+          </a:bodyPr>
+          <a:lstStyle/>
+          <a:p>
+            <a:r>
+              <a:rPr lang="en-US" dirty="0"/>
+              <a:t>56</a:t>
+            </a:r>
+          </a:p>
+        </p:txBody>
+      </p:sp>
     </p:spTree>
     <p:extLst>
       <p:ext uri="{BB962C8B-B14F-4D97-AF65-F5344CB8AC3E}">
-        <p14:creationId xmlns:p14="http://schemas.microsoft.com/office/powerpoint/2010/main" val="203052358"/>
+        <p14:creationId xmlns:p14="http://schemas.microsoft.com/office/powerpoint/2010/main" val="3741617501"/>
       </p:ext>
     </p:extLst>
   </p:cSld>
